--- a/doc/Podknow_ Statistics.pptx
+++ b/doc/Podknow_ Statistics.pptx
@@ -42,28 +42,29 @@
     <p:sldId id="287" r:id="rId37"/>
     <p:sldId id="288" r:id="rId38"/>
     <p:sldId id="289" r:id="rId39"/>
+    <p:sldId id="290" r:id="rId40"/>
   </p:sldIdLst>
   <p:sldSz cy="5143500" cx="9144000"/>
   <p:notesSz cx="6858000" cy="9144000"/>
   <p:embeddedFontLst>
     <p:embeddedFont>
       <p:font typeface="Roboto"/>
-      <p:regular r:id="rId40"/>
-      <p:bold r:id="rId41"/>
-      <p:italic r:id="rId42"/>
-      <p:boldItalic r:id="rId43"/>
+      <p:regular r:id="rId41"/>
+      <p:bold r:id="rId42"/>
+      <p:italic r:id="rId43"/>
+      <p:boldItalic r:id="rId44"/>
     </p:embeddedFont>
     <p:embeddedFont>
       <p:font typeface="Nunito"/>
-      <p:regular r:id="rId44"/>
-      <p:bold r:id="rId45"/>
-      <p:italic r:id="rId46"/>
-      <p:boldItalic r:id="rId47"/>
+      <p:regular r:id="rId45"/>
+      <p:bold r:id="rId46"/>
+      <p:italic r:id="rId47"/>
+      <p:boldItalic r:id="rId48"/>
     </p:embeddedFont>
     <p:embeddedFont>
       <p:font typeface="Maven Pro"/>
-      <p:regular r:id="rId48"/>
-      <p:bold r:id="rId49"/>
+      <p:regular r:id="rId49"/>
+      <p:bold r:id="rId50"/>
     </p:embeddedFont>
   </p:embeddedFontLst>
   <p:defaultTextStyle>
@@ -2736,7 +2737,7 @@
   <p:cSld>
     <p:spTree>
       <p:nvGrpSpPr>
-        <p:cNvPr id="474" name="Shape 474"/>
+        <p:cNvPr id="475" name="Shape 475"/>
         <p:cNvGrpSpPr/>
         <p:nvPr/>
       </p:nvGrpSpPr>
@@ -2750,7 +2751,7 @@
       </p:grpSpPr>
       <p:sp>
         <p:nvSpPr>
-          <p:cNvPr id="475" name="Google Shape;475;g62f18fae40_0_344:notes"/>
+          <p:cNvPr id="476" name="Google Shape;476;g65c66a8416_1_0:notes"/>
           <p:cNvSpPr/>
           <p:nvPr>
             <p:ph idx="2" type="sldImg"/>
@@ -2785,7 +2786,7 @@
       </p:sp>
       <p:sp>
         <p:nvSpPr>
-          <p:cNvPr id="476" name="Google Shape;476;g62f18fae40_0_344:notes"/>
+          <p:cNvPr id="477" name="Google Shape;477;g65c66a8416_1_0:notes"/>
           <p:cNvSpPr txBox="1"/>
           <p:nvPr>
             <p:ph idx="1" type="body"/>
@@ -2835,7 +2836,7 @@
   <p:cSld>
     <p:spTree>
       <p:nvGrpSpPr>
-        <p:cNvPr id="480" name="Shape 480"/>
+        <p:cNvPr id="481" name="Shape 481"/>
         <p:cNvGrpSpPr/>
         <p:nvPr/>
       </p:nvGrpSpPr>
@@ -2849,7 +2850,7 @@
       </p:grpSpPr>
       <p:sp>
         <p:nvSpPr>
-          <p:cNvPr id="481" name="Google Shape;481;g658ffa069b_3_0:notes"/>
+          <p:cNvPr id="482" name="Google Shape;482;g62f18fae40_0_344:notes"/>
           <p:cNvSpPr/>
           <p:nvPr>
             <p:ph idx="2" type="sldImg"/>
@@ -2884,7 +2885,7 @@
       </p:sp>
       <p:sp>
         <p:nvSpPr>
-          <p:cNvPr id="482" name="Google Shape;482;g658ffa069b_3_0:notes"/>
+          <p:cNvPr id="483" name="Google Shape;483;g62f18fae40_0_344:notes"/>
           <p:cNvSpPr txBox="1"/>
           <p:nvPr>
             <p:ph idx="1" type="body"/>
@@ -3048,7 +3049,7 @@
       </p:grpSpPr>
       <p:sp>
         <p:nvSpPr>
-          <p:cNvPr id="488" name="Google Shape;488;g658ffa069b_3_13:notes"/>
+          <p:cNvPr id="488" name="Google Shape;488;g658ffa069b_3_0:notes"/>
           <p:cNvSpPr/>
           <p:nvPr>
             <p:ph idx="2" type="sldImg"/>
@@ -3083,7 +3084,7 @@
       </p:sp>
       <p:sp>
         <p:nvSpPr>
-          <p:cNvPr id="489" name="Google Shape;489;g658ffa069b_3_13:notes"/>
+          <p:cNvPr id="489" name="Google Shape;489;g658ffa069b_3_0:notes"/>
           <p:cNvSpPr txBox="1"/>
           <p:nvPr>
             <p:ph idx="1" type="body"/>
@@ -3147,7 +3148,7 @@
       </p:grpSpPr>
       <p:sp>
         <p:nvSpPr>
-          <p:cNvPr id="495" name="Google Shape;495;g658ffa069b_3_19:notes"/>
+          <p:cNvPr id="495" name="Google Shape;495;g658ffa069b_3_13:notes"/>
           <p:cNvSpPr/>
           <p:nvPr>
             <p:ph idx="2" type="sldImg"/>
@@ -3182,7 +3183,7 @@
       </p:sp>
       <p:sp>
         <p:nvSpPr>
-          <p:cNvPr id="496" name="Google Shape;496;g658ffa069b_3_19:notes"/>
+          <p:cNvPr id="496" name="Google Shape;496;g658ffa069b_3_13:notes"/>
           <p:cNvSpPr txBox="1"/>
           <p:nvPr>
             <p:ph idx="1" type="body"/>
@@ -3246,7 +3247,7 @@
       </p:grpSpPr>
       <p:sp>
         <p:nvSpPr>
-          <p:cNvPr id="502" name="Google Shape;502;g658ffa069b_3_30:notes"/>
+          <p:cNvPr id="502" name="Google Shape;502;g658ffa069b_3_19:notes"/>
           <p:cNvSpPr/>
           <p:nvPr>
             <p:ph idx="2" type="sldImg"/>
@@ -3281,7 +3282,7 @@
       </p:sp>
       <p:sp>
         <p:nvSpPr>
-          <p:cNvPr id="503" name="Google Shape;503;g658ffa069b_3_30:notes"/>
+          <p:cNvPr id="503" name="Google Shape;503;g658ffa069b_3_19:notes"/>
           <p:cNvSpPr txBox="1"/>
           <p:nvPr>
             <p:ph idx="1" type="body"/>
@@ -3345,7 +3346,7 @@
       </p:grpSpPr>
       <p:sp>
         <p:nvSpPr>
-          <p:cNvPr id="509" name="Google Shape;509;g658ffa069b_3_25:notes"/>
+          <p:cNvPr id="509" name="Google Shape;509;g658ffa069b_3_30:notes"/>
           <p:cNvSpPr/>
           <p:nvPr>
             <p:ph idx="2" type="sldImg"/>
@@ -3380,7 +3381,7 @@
       </p:sp>
       <p:sp>
         <p:nvSpPr>
-          <p:cNvPr id="510" name="Google Shape;510;g658ffa069b_3_25:notes"/>
+          <p:cNvPr id="510" name="Google Shape;510;g658ffa069b_3_30:notes"/>
           <p:cNvSpPr txBox="1"/>
           <p:nvPr>
             <p:ph idx="1" type="body"/>
@@ -3430,7 +3431,7 @@
   <p:cSld>
     <p:spTree>
       <p:nvGrpSpPr>
-        <p:cNvPr id="514" name="Shape 514"/>
+        <p:cNvPr id="515" name="Shape 515"/>
         <p:cNvGrpSpPr/>
         <p:nvPr/>
       </p:nvGrpSpPr>
@@ -3444,7 +3445,7 @@
       </p:grpSpPr>
       <p:sp>
         <p:nvSpPr>
-          <p:cNvPr id="515" name="Google Shape;515;g658ffa069b_3_45:notes"/>
+          <p:cNvPr id="516" name="Google Shape;516;g658ffa069b_3_25:notes"/>
           <p:cNvSpPr/>
           <p:nvPr>
             <p:ph idx="2" type="sldImg"/>
@@ -3479,7 +3480,106 @@
       </p:sp>
       <p:sp>
         <p:nvSpPr>
-          <p:cNvPr id="516" name="Google Shape;516;g658ffa069b_3_45:notes"/>
+          <p:cNvPr id="517" name="Google Shape;517;g658ffa069b_3_25:notes"/>
+          <p:cNvSpPr txBox="1"/>
+          <p:nvPr>
+            <p:ph idx="1" type="body"/>
+          </p:nvPr>
+        </p:nvSpPr>
+        <p:spPr>
+          <a:xfrm>
+            <a:off x="685800" y="4343400"/>
+            <a:ext cx="5486400" cy="4114800"/>
+          </a:xfrm>
+          <a:prstGeom prst="rect">
+            <a:avLst/>
+          </a:prstGeom>
+        </p:spPr>
+        <p:txBody>
+          <a:bodyPr anchorCtr="0" anchor="t" bIns="91425" lIns="91425" spcFirstLastPara="1" rIns="91425" wrap="square" tIns="91425">
+            <a:noAutofit/>
+          </a:bodyPr>
+          <a:lstStyle/>
+          <a:p>
+            <a:pPr indent="0" lvl="0" marL="0" rtl="0" algn="l">
+              <a:spcBef>
+                <a:spcPts val="0"/>
+              </a:spcBef>
+              <a:spcAft>
+                <a:spcPts val="0"/>
+              </a:spcAft>
+              <a:buNone/>
+            </a:pPr>
+            <a:r>
+              <a:t/>
+            </a:r>
+            <a:endParaRPr/>
+          </a:p>
+        </p:txBody>
+      </p:sp>
+    </p:spTree>
+  </p:cSld>
+  <p:clrMapOvr>
+    <a:masterClrMapping/>
+  </p:clrMapOvr>
+</p:notes>
+</file>
+
+<file path=ppt/notesSlides/notesSlide35.xml><?xml version="1.0" encoding="utf-8"?>
+<p:notes xmlns:a="http://schemas.openxmlformats.org/drawingml/2006/main" xmlns:r="http://schemas.openxmlformats.org/officeDocument/2006/relationships" xmlns:mc="http://schemas.openxmlformats.org/markup-compatibility/2006" xmlns:mv="urn:schemas-microsoft-com:mac:vml" xmlns:p="http://schemas.openxmlformats.org/presentationml/2006/main" xmlns:c="http://schemas.openxmlformats.org/drawingml/2006/chart" xmlns:dgm="http://schemas.openxmlformats.org/drawingml/2006/diagram" xmlns:o="urn:schemas-microsoft-com:office:office" xmlns:v="urn:schemas-microsoft-com:vml" xmlns:pvml="urn:schemas-microsoft-com:office:powerpoint" xmlns:com="http://schemas.openxmlformats.org/drawingml/2006/compatibility" xmlns:p14="http://schemas.microsoft.com/office/powerpoint/2010/main" xmlns:p15="http://schemas.microsoft.com/office/powerpoint/2012/main" showMasterPhAnim="0" showMasterSp="0">
+  <p:cSld>
+    <p:spTree>
+      <p:nvGrpSpPr>
+        <p:cNvPr id="521" name="Shape 521"/>
+        <p:cNvGrpSpPr/>
+        <p:nvPr/>
+      </p:nvGrpSpPr>
+      <p:grpSpPr>
+        <a:xfrm>
+          <a:off x="0" y="0"/>
+          <a:ext cx="0" cy="0"/>
+          <a:chOff x="0" y="0"/>
+          <a:chExt cx="0" cy="0"/>
+        </a:xfrm>
+      </p:grpSpPr>
+      <p:sp>
+        <p:nvSpPr>
+          <p:cNvPr id="522" name="Google Shape;522;g658ffa069b_3_45:notes"/>
+          <p:cNvSpPr/>
+          <p:nvPr>
+            <p:ph idx="2" type="sldImg"/>
+          </p:nvPr>
+        </p:nvSpPr>
+        <p:spPr>
+          <a:xfrm>
+            <a:off x="381300" y="685800"/>
+            <a:ext cx="6096000" cy="3429000"/>
+          </a:xfrm>
+          <a:custGeom>
+            <a:rect b="b" l="l" r="r" t="t"/>
+            <a:pathLst>
+              <a:path extrusionOk="0" h="120000" w="120000">
+                <a:moveTo>
+                  <a:pt x="0" y="0"/>
+                </a:moveTo>
+                <a:lnTo>
+                  <a:pt x="120000" y="0"/>
+                </a:lnTo>
+                <a:lnTo>
+                  <a:pt x="120000" y="120000"/>
+                </a:lnTo>
+                <a:lnTo>
+                  <a:pt x="0" y="120000"/>
+                </a:lnTo>
+                <a:close/>
+              </a:path>
+            </a:pathLst>
+          </a:custGeom>
+        </p:spPr>
+      </p:sp>
+      <p:sp>
+        <p:nvSpPr>
+          <p:cNvPr id="523" name="Google Shape;523;g658ffa069b_3_45:notes"/>
           <p:cNvSpPr txBox="1"/>
           <p:nvPr>
             <p:ph idx="1" type="body"/>
@@ -24141,8 +24241,8 @@
         </p:nvSpPr>
         <p:spPr>
           <a:xfrm>
-            <a:off x="1337275" y="719700"/>
-            <a:ext cx="7030500" cy="4380300"/>
+            <a:off x="869925" y="719700"/>
+            <a:ext cx="3838800" cy="4380300"/>
           </a:xfrm>
           <a:prstGeom prst="rect">
             <a:avLst/>
@@ -24165,20 +24265,46 @@
             </a:pPr>
             <a:r>
               <a:rPr lang="en"/>
-              <a:t>Could Low word count and high confidence score be pauses in a sentences, slow </a:t>
-            </a:r>
+              <a:t>Probability Distribution of Confidence Scores</a:t>
+            </a:r>
+            <a:endParaRPr/>
+          </a:p>
+          <a:p>
+            <a:pPr indent="-311150" lvl="0" marL="457200" rtl="0" algn="l">
+              <a:spcBef>
+                <a:spcPts val="1600"/>
+              </a:spcBef>
+              <a:spcAft>
+                <a:spcPts val="0"/>
+              </a:spcAft>
+              <a:buSzPts val="1300"/>
+              <a:buChar char="●"/>
+            </a:pPr>
             <a:r>
               <a:rPr lang="en"/>
-              <a:t>pronunciations</a:t>
-            </a:r>
+              <a:t>In short, it's very likely Google Cloud can transcribe audio with high confidence.</a:t>
+            </a:r>
+            <a:endParaRPr/>
+          </a:p>
+          <a:p>
+            <a:pPr indent="-311150" lvl="0" marL="457200" rtl="0" algn="l">
+              <a:spcBef>
+                <a:spcPts val="0"/>
+              </a:spcBef>
+              <a:spcAft>
+                <a:spcPts val="0"/>
+              </a:spcAft>
+              <a:buSzPts val="1300"/>
+              <a:buChar char="●"/>
+            </a:pPr>
             <a:r>
               <a:rPr lang="en"/>
-              <a:t>?</a:t>
+              <a:t>326 transcript phrases with CS &lt; 0.9 of 2228 (14.63%)</a:t>
             </a:r>
             <a:endParaRPr/>
           </a:p>
           <a:p>
-            <a:pPr indent="0" lvl="0" marL="0" rtl="0" algn="l">
+            <a:pPr indent="0" lvl="0" marL="457200" rtl="0" algn="l">
               <a:spcBef>
                 <a:spcPts val="1600"/>
               </a:spcBef>
@@ -24188,13 +24314,40 @@
               <a:buNone/>
             </a:pPr>
             <a:r>
-              <a:rPr lang="en"/>
-              <a:t>The higher the word count, generally the higher the confidence score.</a:t>
+              <a:t/>
             </a:r>
             <a:endParaRPr/>
           </a:p>
         </p:txBody>
       </p:sp>
+      <p:pic>
+        <p:nvPicPr>
+          <p:cNvPr id="474" name="Google Shape;474;p39"/>
+          <p:cNvPicPr preferRelativeResize="0"/>
+          <p:nvPr/>
+        </p:nvPicPr>
+        <p:blipFill>
+          <a:blip r:embed="rId3">
+            <a:alphaModFix/>
+          </a:blip>
+          <a:stretch>
+            <a:fillRect/>
+          </a:stretch>
+        </p:blipFill>
+        <p:spPr>
+          <a:xfrm>
+            <a:off x="4572000" y="719688"/>
+            <a:ext cx="3790950" cy="2486025"/>
+          </a:xfrm>
+          <a:prstGeom prst="rect">
+            <a:avLst/>
+          </a:prstGeom>
+          <a:noFill/>
+          <a:ln>
+            <a:noFill/>
+          </a:ln>
+        </p:spPr>
+      </p:pic>
     </p:spTree>
   </p:cSld>
   <p:clrMapOvr>
@@ -24208,7 +24361,7 @@
   <p:cSld>
     <p:spTree>
       <p:nvGrpSpPr>
-        <p:cNvPr id="477" name="Shape 477"/>
+        <p:cNvPr id="478" name="Shape 478"/>
         <p:cNvGrpSpPr/>
         <p:nvPr/>
       </p:nvGrpSpPr>
@@ -24222,7 +24375,7 @@
       </p:grpSpPr>
       <p:sp>
         <p:nvSpPr>
-          <p:cNvPr id="478" name="Google Shape;478;p40"/>
+          <p:cNvPr id="479" name="Google Shape;479;p40"/>
           <p:cNvSpPr txBox="1"/>
           <p:nvPr>
             <p:ph type="title"/>
@@ -24254,7 +24407,7 @@
             </a:pPr>
             <a:r>
               <a:rPr lang="en"/>
-              <a:t>Vincent</a:t>
+              <a:t>Jamie</a:t>
             </a:r>
             <a:endParaRPr/>
           </a:p>
@@ -24269,10 +24422,10 @@
               <a:buNone/>
             </a:pPr>
             <a:r>
-              <a:rPr lang="en"/>
-              <a:t>Task</a:t>
-            </a:r>
-            <a:endParaRPr/>
+              <a:rPr lang="en" sz="1400"/>
+              <a:t>Hypothesis Questions</a:t>
+            </a:r>
+            <a:endParaRPr sz="1400"/>
           </a:p>
           <a:p>
             <a:pPr indent="0" lvl="0" marL="0" rtl="0" algn="l">
@@ -24293,7 +24446,163 @@
       </p:sp>
       <p:sp>
         <p:nvSpPr>
-          <p:cNvPr id="479" name="Google Shape;479;p40"/>
+          <p:cNvPr id="480" name="Google Shape;480;p40"/>
+          <p:cNvSpPr txBox="1"/>
+          <p:nvPr>
+            <p:ph idx="1" type="body"/>
+          </p:nvPr>
+        </p:nvSpPr>
+        <p:spPr>
+          <a:xfrm>
+            <a:off x="1337275" y="719700"/>
+            <a:ext cx="7030500" cy="4380300"/>
+          </a:xfrm>
+          <a:prstGeom prst="rect">
+            <a:avLst/>
+          </a:prstGeom>
+        </p:spPr>
+        <p:txBody>
+          <a:bodyPr anchorCtr="0" anchor="t" bIns="91425" lIns="91425" spcFirstLastPara="1" rIns="91425" wrap="square" tIns="91425">
+            <a:noAutofit/>
+          </a:bodyPr>
+          <a:lstStyle/>
+          <a:p>
+            <a:pPr indent="0" lvl="0" marL="0" rtl="0" algn="l">
+              <a:spcBef>
+                <a:spcPts val="0"/>
+              </a:spcBef>
+              <a:spcAft>
+                <a:spcPts val="0"/>
+              </a:spcAft>
+              <a:buNone/>
+            </a:pPr>
+            <a:r>
+              <a:rPr lang="en"/>
+              <a:t>There's many cases where there's a high CS and a low WC. </a:t>
+            </a:r>
+            <a:r>
+              <a:rPr lang="en"/>
+              <a:t>Could Low WC and high CS be the result of pauses in a sentence, or when the speaker is very clear and/or has slow pronunciations of words?</a:t>
+            </a:r>
+            <a:endParaRPr/>
+          </a:p>
+          <a:p>
+            <a:pPr indent="0" lvl="0" marL="0" rtl="0" algn="l">
+              <a:spcBef>
+                <a:spcPts val="1600"/>
+              </a:spcBef>
+              <a:spcAft>
+                <a:spcPts val="1600"/>
+              </a:spcAft>
+              <a:buNone/>
+            </a:pPr>
+            <a:r>
+              <a:rPr lang="en"/>
+              <a:t>Does the average of all confidence scores lie above or below the elbow point of the exponential curve?</a:t>
+            </a:r>
+            <a:endParaRPr/>
+          </a:p>
+        </p:txBody>
+      </p:sp>
+    </p:spTree>
+  </p:cSld>
+  <p:clrMapOvr>
+    <a:masterClrMapping/>
+  </p:clrMapOvr>
+</p:sld>
+</file>
+
+<file path=ppt/slides/slide29.xml><?xml version="1.0" encoding="utf-8"?>
+<p:sld xmlns:a="http://schemas.openxmlformats.org/drawingml/2006/main" xmlns:r="http://schemas.openxmlformats.org/officeDocument/2006/relationships" xmlns:mc="http://schemas.openxmlformats.org/markup-compatibility/2006" xmlns:mv="urn:schemas-microsoft-com:mac:vml" xmlns:p="http://schemas.openxmlformats.org/presentationml/2006/main" xmlns:c="http://schemas.openxmlformats.org/drawingml/2006/chart" xmlns:dgm="http://schemas.openxmlformats.org/drawingml/2006/diagram" xmlns:o="urn:schemas-microsoft-com:office:office" xmlns:v="urn:schemas-microsoft-com:vml" xmlns:pvml="urn:schemas-microsoft-com:office:powerpoint" xmlns:com="http://schemas.openxmlformats.org/drawingml/2006/compatibility" xmlns:p14="http://schemas.microsoft.com/office/powerpoint/2010/main" xmlns:p15="http://schemas.microsoft.com/office/powerpoint/2012/main">
+  <p:cSld>
+    <p:spTree>
+      <p:nvGrpSpPr>
+        <p:cNvPr id="484" name="Shape 484"/>
+        <p:cNvGrpSpPr/>
+        <p:nvPr/>
+      </p:nvGrpSpPr>
+      <p:grpSpPr>
+        <a:xfrm>
+          <a:off x="0" y="0"/>
+          <a:ext cx="0" cy="0"/>
+          <a:chOff x="0" y="0"/>
+          <a:chExt cx="0" cy="0"/>
+        </a:xfrm>
+      </p:grpSpPr>
+      <p:sp>
+        <p:nvSpPr>
+          <p:cNvPr id="485" name="Google Shape;485;p41"/>
+          <p:cNvSpPr txBox="1"/>
+          <p:nvPr>
+            <p:ph type="title"/>
+          </p:nvPr>
+        </p:nvSpPr>
+        <p:spPr>
+          <a:xfrm>
+            <a:off x="1303800" y="0"/>
+            <a:ext cx="7030500" cy="719700"/>
+          </a:xfrm>
+          <a:prstGeom prst="rect">
+            <a:avLst/>
+          </a:prstGeom>
+        </p:spPr>
+        <p:txBody>
+          <a:bodyPr anchorCtr="0" anchor="t" bIns="91425" lIns="91425" spcFirstLastPara="1" rIns="91425" wrap="square" tIns="91425">
+            <a:noAutofit/>
+          </a:bodyPr>
+          <a:lstStyle/>
+          <a:p>
+            <a:pPr indent="0" lvl="0" marL="0" rtl="0" algn="l">
+              <a:spcBef>
+                <a:spcPts val="0"/>
+              </a:spcBef>
+              <a:spcAft>
+                <a:spcPts val="0"/>
+              </a:spcAft>
+              <a:buNone/>
+            </a:pPr>
+            <a:r>
+              <a:rPr lang="en"/>
+              <a:t>Vincent</a:t>
+            </a:r>
+            <a:endParaRPr/>
+          </a:p>
+          <a:p>
+            <a:pPr indent="0" lvl="0" marL="0" rtl="0" algn="l">
+              <a:spcBef>
+                <a:spcPts val="0"/>
+              </a:spcBef>
+              <a:spcAft>
+                <a:spcPts val="0"/>
+              </a:spcAft>
+              <a:buNone/>
+            </a:pPr>
+            <a:r>
+              <a:rPr lang="en"/>
+              <a:t>Task</a:t>
+            </a:r>
+            <a:endParaRPr/>
+          </a:p>
+          <a:p>
+            <a:pPr indent="0" lvl="0" marL="0" rtl="0" algn="l">
+              <a:spcBef>
+                <a:spcPts val="0"/>
+              </a:spcBef>
+              <a:spcAft>
+                <a:spcPts val="0"/>
+              </a:spcAft>
+              <a:buNone/>
+            </a:pPr>
+            <a:r>
+              <a:t/>
+            </a:r>
+            <a:endParaRPr/>
+          </a:p>
+        </p:txBody>
+      </p:sp>
+      <p:sp>
+        <p:nvSpPr>
+          <p:cNvPr id="486" name="Google Shape;486;p41"/>
           <p:cNvSpPr txBox="1"/>
           <p:nvPr>
             <p:ph idx="1" type="body"/>
@@ -24503,259 +24812,6 @@
           </a:p>
         </p:txBody>
       </p:sp>
-    </p:spTree>
-  </p:cSld>
-  <p:clrMapOvr>
-    <a:masterClrMapping/>
-  </p:clrMapOvr>
-</p:sld>
-</file>
-
-<file path=ppt/slides/slide29.xml><?xml version="1.0" encoding="utf-8"?>
-<p:sld xmlns:a="http://schemas.openxmlformats.org/drawingml/2006/main" xmlns:r="http://schemas.openxmlformats.org/officeDocument/2006/relationships" xmlns:mc="http://schemas.openxmlformats.org/markup-compatibility/2006" xmlns:mv="urn:schemas-microsoft-com:mac:vml" xmlns:p="http://schemas.openxmlformats.org/presentationml/2006/main" xmlns:c="http://schemas.openxmlformats.org/drawingml/2006/chart" xmlns:dgm="http://schemas.openxmlformats.org/drawingml/2006/diagram" xmlns:o="urn:schemas-microsoft-com:office:office" xmlns:v="urn:schemas-microsoft-com:vml" xmlns:pvml="urn:schemas-microsoft-com:office:powerpoint" xmlns:com="http://schemas.openxmlformats.org/drawingml/2006/compatibility" xmlns:p14="http://schemas.microsoft.com/office/powerpoint/2010/main" xmlns:p15="http://schemas.microsoft.com/office/powerpoint/2012/main">
-  <p:cSld>
-    <p:spTree>
-      <p:nvGrpSpPr>
-        <p:cNvPr id="483" name="Shape 483"/>
-        <p:cNvGrpSpPr/>
-        <p:nvPr/>
-      </p:nvGrpSpPr>
-      <p:grpSpPr>
-        <a:xfrm>
-          <a:off x="0" y="0"/>
-          <a:ext cx="0" cy="0"/>
-          <a:chOff x="0" y="0"/>
-          <a:chExt cx="0" cy="0"/>
-        </a:xfrm>
-      </p:grpSpPr>
-      <p:sp>
-        <p:nvSpPr>
-          <p:cNvPr id="484" name="Google Shape;484;p41"/>
-          <p:cNvSpPr txBox="1"/>
-          <p:nvPr>
-            <p:ph type="title"/>
-          </p:nvPr>
-        </p:nvSpPr>
-        <p:spPr>
-          <a:xfrm>
-            <a:off x="1303800" y="598575"/>
-            <a:ext cx="7030500" cy="999300"/>
-          </a:xfrm>
-          <a:prstGeom prst="rect">
-            <a:avLst/>
-          </a:prstGeom>
-        </p:spPr>
-        <p:txBody>
-          <a:bodyPr anchorCtr="0" anchor="t" bIns="91425" lIns="91425" spcFirstLastPara="1" rIns="91425" wrap="square" tIns="91425">
-            <a:noAutofit/>
-          </a:bodyPr>
-          <a:lstStyle/>
-          <a:p>
-            <a:pPr indent="0" lvl="0" marL="0" rtl="0" algn="l">
-              <a:spcBef>
-                <a:spcPts val="0"/>
-              </a:spcBef>
-              <a:spcAft>
-                <a:spcPts val="0"/>
-              </a:spcAft>
-              <a:buNone/>
-            </a:pPr>
-            <a:r>
-              <a:rPr lang="en"/>
-              <a:t>Vincent</a:t>
-            </a:r>
-            <a:endParaRPr/>
-          </a:p>
-          <a:p>
-            <a:pPr indent="0" lvl="0" marL="0" rtl="0" algn="l">
-              <a:spcBef>
-                <a:spcPts val="0"/>
-              </a:spcBef>
-              <a:spcAft>
-                <a:spcPts val="0"/>
-              </a:spcAft>
-              <a:buNone/>
-            </a:pPr>
-            <a:r>
-              <a:rPr lang="en"/>
-              <a:t>Basic Stats</a:t>
-            </a:r>
-            <a:endParaRPr/>
-          </a:p>
-        </p:txBody>
-      </p:sp>
-      <p:sp>
-        <p:nvSpPr>
-          <p:cNvPr id="485" name="Google Shape;485;p41"/>
-          <p:cNvSpPr txBox="1"/>
-          <p:nvPr>
-            <p:ph idx="1" type="body"/>
-          </p:nvPr>
-        </p:nvSpPr>
-        <p:spPr>
-          <a:xfrm>
-            <a:off x="1303800" y="1990050"/>
-            <a:ext cx="7030500" cy="2541600"/>
-          </a:xfrm>
-          <a:prstGeom prst="rect">
-            <a:avLst/>
-          </a:prstGeom>
-        </p:spPr>
-        <p:txBody>
-          <a:bodyPr anchorCtr="0" anchor="t" bIns="91425" lIns="91425" spcFirstLastPara="1" rIns="91425" wrap="square" tIns="91425">
-            <a:noAutofit/>
-          </a:bodyPr>
-          <a:lstStyle/>
-          <a:p>
-            <a:pPr indent="-311150" lvl="0" marL="457200" rtl="0" algn="l">
-              <a:spcBef>
-                <a:spcPts val="0"/>
-              </a:spcBef>
-              <a:spcAft>
-                <a:spcPts val="0"/>
-              </a:spcAft>
-              <a:buSzPts val="1300"/>
-              <a:buChar char="●"/>
-            </a:pPr>
-            <a:r>
-              <a:rPr lang="en"/>
-              <a:t>Mean: </a:t>
-            </a:r>
-            <a:r>
-              <a:rPr lang="en"/>
-              <a:t>1.1029031027909777</a:t>
-            </a:r>
-            <a:endParaRPr/>
-          </a:p>
-          <a:p>
-            <a:pPr indent="-311150" lvl="0" marL="457200" rtl="0" algn="l">
-              <a:spcBef>
-                <a:spcPts val="0"/>
-              </a:spcBef>
-              <a:spcAft>
-                <a:spcPts val="0"/>
-              </a:spcAft>
-              <a:buSzPts val="1300"/>
-              <a:buChar char="●"/>
-            </a:pPr>
-            <a:r>
-              <a:rPr lang="en"/>
-              <a:t>Variance: </a:t>
-            </a:r>
-            <a:r>
-              <a:rPr lang="en"/>
-              <a:t>0.777417</a:t>
-            </a:r>
-            <a:endParaRPr/>
-          </a:p>
-          <a:p>
-            <a:pPr indent="-311150" lvl="0" marL="457200" rtl="0" algn="l">
-              <a:spcBef>
-                <a:spcPts val="0"/>
-              </a:spcBef>
-              <a:spcAft>
-                <a:spcPts val="0"/>
-              </a:spcAft>
-              <a:buSzPts val="1300"/>
-              <a:buChar char="●"/>
-            </a:pPr>
-            <a:r>
-              <a:rPr lang="en"/>
-              <a:t>Median: </a:t>
-            </a:r>
-            <a:r>
-              <a:rPr lang="en"/>
-              <a:t>1.0134778624</a:t>
-            </a:r>
-            <a:endParaRPr/>
-          </a:p>
-          <a:p>
-            <a:pPr indent="-311150" lvl="0" marL="457200" rtl="0" algn="l">
-              <a:spcBef>
-                <a:spcPts val="0"/>
-              </a:spcBef>
-              <a:spcAft>
-                <a:spcPts val="0"/>
-              </a:spcAft>
-              <a:buSzPts val="1300"/>
-              <a:buChar char="●"/>
-            </a:pPr>
-            <a:r>
-              <a:rPr lang="en"/>
-              <a:t>STD: </a:t>
-            </a:r>
-            <a:r>
-              <a:rPr lang="en"/>
-              <a:t>0.8817129</a:t>
-            </a:r>
-            <a:endParaRPr/>
-          </a:p>
-          <a:p>
-            <a:pPr indent="-311150" lvl="0" marL="457200" rtl="0" algn="l">
-              <a:spcBef>
-                <a:spcPts val="0"/>
-              </a:spcBef>
-              <a:spcAft>
-                <a:spcPts val="0"/>
-              </a:spcAft>
-              <a:buSzPts val="1300"/>
-              <a:buChar char="●"/>
-            </a:pPr>
-            <a:r>
-              <a:rPr lang="en"/>
-              <a:t>Measures of Spread: </a:t>
-            </a:r>
-            <a:r>
-              <a:rPr lang="en"/>
-              <a:t>7.049205</a:t>
-            </a:r>
-            <a:endParaRPr/>
-          </a:p>
-          <a:p>
-            <a:pPr indent="0" lvl="0" marL="457200" rtl="0" algn="l">
-              <a:spcBef>
-                <a:spcPts val="1600"/>
-              </a:spcBef>
-              <a:spcAft>
-                <a:spcPts val="1600"/>
-              </a:spcAft>
-              <a:buNone/>
-            </a:pPr>
-            <a:r>
-              <a:t/>
-            </a:r>
-            <a:endParaRPr/>
-          </a:p>
-        </p:txBody>
-      </p:sp>
-      <p:pic>
-        <p:nvPicPr>
-          <p:cNvPr id="486" name="Google Shape;486;p41"/>
-          <p:cNvPicPr preferRelativeResize="0"/>
-          <p:nvPr/>
-        </p:nvPicPr>
-        <p:blipFill>
-          <a:blip r:embed="rId3">
-            <a:alphaModFix/>
-          </a:blip>
-          <a:stretch>
-            <a:fillRect/>
-          </a:stretch>
-        </p:blipFill>
-        <p:spPr>
-          <a:xfrm>
-            <a:off x="4770521" y="1597875"/>
-            <a:ext cx="3246875" cy="3108575"/>
-          </a:xfrm>
-          <a:prstGeom prst="rect">
-            <a:avLst/>
-          </a:prstGeom>
-          <a:noFill/>
-          <a:ln>
-            <a:noFill/>
-          </a:ln>
-        </p:spPr>
-      </p:pic>
     </p:spTree>
   </p:cSld>
   <p:clrMapOvr>
@@ -25048,7 +25104,7 @@
             </a:pPr>
             <a:r>
               <a:rPr lang="en"/>
-              <a:t>Distribution Models: Density Plot</a:t>
+              <a:t>Basic Stats</a:t>
             </a:r>
             <a:endParaRPr/>
           </a:p>
@@ -25077,9 +25133,114 @@
           </a:bodyPr>
           <a:lstStyle/>
           <a:p>
-            <a:pPr indent="0" lvl="0" marL="0" rtl="0" algn="l">
-              <a:spcBef>
-                <a:spcPts val="0"/>
+            <a:pPr indent="-311150" lvl="0" marL="457200" rtl="0" algn="l">
+              <a:spcBef>
+                <a:spcPts val="0"/>
+              </a:spcBef>
+              <a:spcAft>
+                <a:spcPts val="0"/>
+              </a:spcAft>
+              <a:buSzPts val="1300"/>
+              <a:buChar char="●"/>
+            </a:pPr>
+            <a:r>
+              <a:rPr lang="en"/>
+              <a:t>Mean: </a:t>
+            </a:r>
+            <a:r>
+              <a:rPr lang="en"/>
+              <a:t>1.1029031027909777</a:t>
+            </a:r>
+            <a:endParaRPr/>
+          </a:p>
+          <a:p>
+            <a:pPr indent="-311150" lvl="0" marL="457200" rtl="0" algn="l">
+              <a:spcBef>
+                <a:spcPts val="0"/>
+              </a:spcBef>
+              <a:spcAft>
+                <a:spcPts val="0"/>
+              </a:spcAft>
+              <a:buSzPts val="1300"/>
+              <a:buChar char="●"/>
+            </a:pPr>
+            <a:r>
+              <a:rPr lang="en"/>
+              <a:t>Variance: </a:t>
+            </a:r>
+            <a:r>
+              <a:rPr lang="en"/>
+              <a:t>0.777417</a:t>
+            </a:r>
+            <a:endParaRPr/>
+          </a:p>
+          <a:p>
+            <a:pPr indent="-311150" lvl="0" marL="457200" rtl="0" algn="l">
+              <a:spcBef>
+                <a:spcPts val="0"/>
+              </a:spcBef>
+              <a:spcAft>
+                <a:spcPts val="0"/>
+              </a:spcAft>
+              <a:buSzPts val="1300"/>
+              <a:buChar char="●"/>
+            </a:pPr>
+            <a:r>
+              <a:rPr lang="en"/>
+              <a:t>Median: </a:t>
+            </a:r>
+            <a:r>
+              <a:rPr lang="en"/>
+              <a:t>1.0134778624</a:t>
+            </a:r>
+            <a:endParaRPr/>
+          </a:p>
+          <a:p>
+            <a:pPr indent="-311150" lvl="0" marL="457200" rtl="0" algn="l">
+              <a:spcBef>
+                <a:spcPts val="0"/>
+              </a:spcBef>
+              <a:spcAft>
+                <a:spcPts val="0"/>
+              </a:spcAft>
+              <a:buSzPts val="1300"/>
+              <a:buChar char="●"/>
+            </a:pPr>
+            <a:r>
+              <a:rPr lang="en"/>
+              <a:t>STD: </a:t>
+            </a:r>
+            <a:r>
+              <a:rPr lang="en"/>
+              <a:t>0.8817129</a:t>
+            </a:r>
+            <a:endParaRPr/>
+          </a:p>
+          <a:p>
+            <a:pPr indent="-311150" lvl="0" marL="457200" rtl="0" algn="l">
+              <a:spcBef>
+                <a:spcPts val="0"/>
+              </a:spcBef>
+              <a:spcAft>
+                <a:spcPts val="0"/>
+              </a:spcAft>
+              <a:buSzPts val="1300"/>
+              <a:buChar char="●"/>
+            </a:pPr>
+            <a:r>
+              <a:rPr lang="en"/>
+              <a:t>Measures of Spread: </a:t>
+            </a:r>
+            <a:r>
+              <a:rPr lang="en"/>
+              <a:t>7.049205</a:t>
+            </a:r>
+            <a:endParaRPr/>
+          </a:p>
+          <a:p>
+            <a:pPr indent="0" lvl="0" marL="457200" rtl="0" algn="l">
+              <a:spcBef>
+                <a:spcPts val="1600"/>
               </a:spcBef>
               <a:spcAft>
                 <a:spcPts val="1600"/>
@@ -25109,8 +25270,8 @@
         </p:blipFill>
         <p:spPr>
           <a:xfrm>
-            <a:off x="2027296" y="1970725"/>
-            <a:ext cx="4402775" cy="2580250"/>
+            <a:off x="4770521" y="1597875"/>
+            <a:ext cx="3246875" cy="3108575"/>
           </a:xfrm>
           <a:prstGeom prst="rect">
             <a:avLst/>
@@ -25196,7 +25357,7 @@
             </a:pPr>
             <a:r>
               <a:rPr lang="en"/>
-              <a:t>Gamma Distribution</a:t>
+              <a:t>Distribution Models: Density Plot</a:t>
             </a:r>
             <a:endParaRPr/>
           </a:p>
@@ -25257,8 +25418,8 @@
         </p:blipFill>
         <p:spPr>
           <a:xfrm>
-            <a:off x="1235800" y="1635548"/>
-            <a:ext cx="6132524" cy="3414425"/>
+            <a:off x="2027296" y="1970725"/>
+            <a:ext cx="4402775" cy="2580250"/>
           </a:xfrm>
           <a:prstGeom prst="rect">
             <a:avLst/>
@@ -25344,7 +25505,7 @@
             </a:pPr>
             <a:r>
               <a:rPr lang="en"/>
-              <a:t>Correlation</a:t>
+              <a:t>Gamma Distribution</a:t>
             </a:r>
             <a:endParaRPr/>
           </a:p>
@@ -25373,61 +25534,17 @@
           </a:bodyPr>
           <a:lstStyle/>
           <a:p>
-            <a:pPr indent="-311150" lvl="0" marL="457200" rtl="0" algn="l">
-              <a:spcBef>
-                <a:spcPts val="0"/>
-              </a:spcBef>
-              <a:spcAft>
-                <a:spcPts val="0"/>
-              </a:spcAft>
-              <a:buSzPts val="1300"/>
-              <a:buChar char="●"/>
-            </a:pPr>
-            <a:r>
-              <a:rPr lang="en"/>
-              <a:t>Since the data is </a:t>
-            </a:r>
-            <a:r>
-              <a:rPr lang="en"/>
-              <a:t>calculated</a:t>
-            </a:r>
-            <a:r>
-              <a:rPr lang="en"/>
-              <a:t> based on the Audio Length .</a:t>
-            </a:r>
-            <a:endParaRPr/>
-          </a:p>
-          <a:p>
-            <a:pPr indent="-311150" lvl="0" marL="457200" rtl="0" algn="l">
-              <a:spcBef>
-                <a:spcPts val="0"/>
-              </a:spcBef>
-              <a:spcAft>
-                <a:spcPts val="0"/>
-              </a:spcAft>
-              <a:buSzPts val="1300"/>
-              <a:buChar char="●"/>
-            </a:pPr>
-            <a:r>
-              <a:rPr lang="en"/>
-              <a:t>Cost = (AudioLength / 15 seconds) * 0.006 cent/sec.</a:t>
-            </a:r>
-            <a:endParaRPr/>
-          </a:p>
-          <a:p>
-            <a:pPr indent="-311150" lvl="0" marL="457200" rtl="0" algn="l">
-              <a:spcBef>
-                <a:spcPts val="0"/>
-              </a:spcBef>
-              <a:spcAft>
-                <a:spcPts val="0"/>
-              </a:spcAft>
-              <a:buSzPts val="1300"/>
-              <a:buChar char="●"/>
-            </a:pPr>
-            <a:r>
-              <a:rPr lang="en"/>
-              <a:t>Graph</a:t>
+            <a:pPr indent="0" lvl="0" marL="0" rtl="0" algn="l">
+              <a:spcBef>
+                <a:spcPts val="0"/>
+              </a:spcBef>
+              <a:spcAft>
+                <a:spcPts val="1600"/>
+              </a:spcAft>
+              <a:buNone/>
+            </a:pPr>
+            <a:r>
+              <a:t/>
             </a:r>
             <a:endParaRPr/>
           </a:p>
@@ -25449,8 +25566,8 @@
         </p:blipFill>
         <p:spPr>
           <a:xfrm>
-            <a:off x="4317350" y="2571762"/>
-            <a:ext cx="2638425" cy="1938336"/>
+            <a:off x="1235800" y="1635548"/>
+            <a:ext cx="6132524" cy="3414425"/>
           </a:xfrm>
           <a:prstGeom prst="rect">
             <a:avLst/>
@@ -25536,7 +25653,7 @@
             </a:pPr>
             <a:r>
               <a:rPr lang="en"/>
-              <a:t>Hypothesis Testing</a:t>
+              <a:t>Correlation</a:t>
             </a:r>
             <a:endParaRPr/>
           </a:p>
@@ -25565,91 +25682,94 @@
           </a:bodyPr>
           <a:lstStyle/>
           <a:p>
-            <a:pPr indent="-342900" lvl="0" marL="457200" rtl="0" algn="l">
-              <a:spcBef>
-                <a:spcPts val="0"/>
-              </a:spcBef>
-              <a:spcAft>
-                <a:spcPts val="0"/>
-              </a:spcAft>
-              <a:buSzPts val="1800"/>
-              <a:buFont typeface="Times New Roman"/>
+            <a:pPr indent="-311150" lvl="0" marL="457200" rtl="0" algn="l">
+              <a:spcBef>
+                <a:spcPts val="0"/>
+              </a:spcBef>
+              <a:spcAft>
+                <a:spcPts val="0"/>
+              </a:spcAft>
+              <a:buSzPts val="1300"/>
               <a:buChar char="●"/>
             </a:pPr>
             <a:r>
-              <a:rPr lang="en" sz="1800">
-                <a:latin typeface="Times New Roman"/>
-                <a:ea typeface="Times New Roman"/>
-                <a:cs typeface="Times New Roman"/>
-                <a:sym typeface="Times New Roman"/>
-              </a:rPr>
-              <a:t>Pose The Question</a:t>
-            </a:r>
-            <a:endParaRPr sz="1800">
-              <a:latin typeface="Times New Roman"/>
-              <a:ea typeface="Times New Roman"/>
-              <a:cs typeface="Times New Roman"/>
-              <a:sym typeface="Times New Roman"/>
-            </a:endParaRPr>
-          </a:p>
-          <a:p>
-            <a:pPr indent="-342900" lvl="1" marL="914400" rtl="0" algn="l">
-              <a:spcBef>
-                <a:spcPts val="0"/>
-              </a:spcBef>
-              <a:spcAft>
-                <a:spcPts val="0"/>
-              </a:spcAft>
-              <a:buSzPts val="1800"/>
-              <a:buFont typeface="Times New Roman"/>
-              <a:buChar char="○"/>
-            </a:pPr>
-            <a:r>
-              <a:rPr lang="en" sz="1800">
-                <a:latin typeface="Times New Roman"/>
-                <a:ea typeface="Times New Roman"/>
-                <a:cs typeface="Times New Roman"/>
-                <a:sym typeface="Times New Roman"/>
-              </a:rPr>
-              <a:t>What is the likely cost for each podcast?</a:t>
-            </a:r>
-            <a:endParaRPr sz="1800">
-              <a:latin typeface="Times New Roman"/>
-              <a:ea typeface="Times New Roman"/>
-              <a:cs typeface="Times New Roman"/>
-              <a:sym typeface="Times New Roman"/>
-            </a:endParaRPr>
-          </a:p>
-          <a:p>
-            <a:pPr indent="-342900" lvl="1" marL="914400" rtl="0" algn="l">
-              <a:spcBef>
-                <a:spcPts val="0"/>
-              </a:spcBef>
-              <a:spcAft>
-                <a:spcPts val="0"/>
-              </a:spcAft>
-              <a:buSzPts val="1800"/>
-              <a:buFont typeface="Times New Roman"/>
-              <a:buChar char="○"/>
-            </a:pPr>
-            <a:r>
-              <a:rPr lang="en" sz="1800">
-                <a:latin typeface="Times New Roman"/>
-                <a:ea typeface="Times New Roman"/>
-                <a:cs typeface="Times New Roman"/>
-                <a:sym typeface="Times New Roman"/>
-              </a:rPr>
-              <a:t>Use current iteration as the sample size, then throughout the course, the application will have the ability to collect population size. Such that, the application can calculate the P-value with using one sample T-test.</a:t>
-            </a:r>
-            <a:endParaRPr sz="1800">
-              <a:latin typeface="Times New Roman"/>
-              <a:ea typeface="Times New Roman"/>
-              <a:cs typeface="Times New Roman"/>
-              <a:sym typeface="Times New Roman"/>
-            </a:endParaRPr>
+              <a:rPr lang="en"/>
+              <a:t>Since the data is </a:t>
+            </a:r>
+            <a:r>
+              <a:rPr lang="en"/>
+              <a:t>calculated</a:t>
+            </a:r>
+            <a:r>
+              <a:rPr lang="en"/>
+              <a:t> based on the Audio Length .</a:t>
+            </a:r>
+            <a:endParaRPr/>
+          </a:p>
+          <a:p>
+            <a:pPr indent="-311150" lvl="0" marL="457200" rtl="0" algn="l">
+              <a:spcBef>
+                <a:spcPts val="0"/>
+              </a:spcBef>
+              <a:spcAft>
+                <a:spcPts val="0"/>
+              </a:spcAft>
+              <a:buSzPts val="1300"/>
+              <a:buChar char="●"/>
+            </a:pPr>
+            <a:r>
+              <a:rPr lang="en"/>
+              <a:t>Cost = (AudioLength / 15 seconds) * 0.006 cent/sec.</a:t>
+            </a:r>
+            <a:endParaRPr/>
+          </a:p>
+          <a:p>
+            <a:pPr indent="-311150" lvl="0" marL="457200" rtl="0" algn="l">
+              <a:spcBef>
+                <a:spcPts val="0"/>
+              </a:spcBef>
+              <a:spcAft>
+                <a:spcPts val="0"/>
+              </a:spcAft>
+              <a:buSzPts val="1300"/>
+              <a:buChar char="●"/>
+            </a:pPr>
+            <a:r>
+              <a:rPr lang="en"/>
+              <a:t>Graph</a:t>
+            </a:r>
+            <a:endParaRPr/>
           </a:p>
         </p:txBody>
       </p:sp>
+      <p:pic>
+        <p:nvPicPr>
+          <p:cNvPr id="514" name="Google Shape;514;p45"/>
+          <p:cNvPicPr preferRelativeResize="0"/>
+          <p:nvPr/>
+        </p:nvPicPr>
+        <p:blipFill>
+          <a:blip r:embed="rId3">
+            <a:alphaModFix/>
+          </a:blip>
+          <a:stretch>
+            <a:fillRect/>
+          </a:stretch>
+        </p:blipFill>
+        <p:spPr>
+          <a:xfrm>
+            <a:off x="4317350" y="2571762"/>
+            <a:ext cx="2638425" cy="1938336"/>
+          </a:xfrm>
+          <a:prstGeom prst="rect">
+            <a:avLst/>
+          </a:prstGeom>
+          <a:noFill/>
+          <a:ln>
+            <a:noFill/>
+          </a:ln>
+        </p:spPr>
+      </p:pic>
     </p:spTree>
   </p:cSld>
   <p:clrMapOvr>
@@ -25663,7 +25783,7 @@
   <p:cSld>
     <p:spTree>
       <p:nvGrpSpPr>
-        <p:cNvPr id="517" name="Shape 517"/>
+        <p:cNvPr id="518" name="Shape 518"/>
         <p:cNvGrpSpPr/>
         <p:nvPr/>
       </p:nvGrpSpPr>
@@ -25677,7 +25797,196 @@
       </p:grpSpPr>
       <p:sp>
         <p:nvSpPr>
-          <p:cNvPr id="518" name="Google Shape;518;p46"/>
+          <p:cNvPr id="519" name="Google Shape;519;p46"/>
+          <p:cNvSpPr txBox="1"/>
+          <p:nvPr>
+            <p:ph type="title"/>
+          </p:nvPr>
+        </p:nvSpPr>
+        <p:spPr>
+          <a:xfrm>
+            <a:off x="1303800" y="598575"/>
+            <a:ext cx="7030500" cy="999300"/>
+          </a:xfrm>
+          <a:prstGeom prst="rect">
+            <a:avLst/>
+          </a:prstGeom>
+        </p:spPr>
+        <p:txBody>
+          <a:bodyPr anchorCtr="0" anchor="t" bIns="91425" lIns="91425" spcFirstLastPara="1" rIns="91425" wrap="square" tIns="91425">
+            <a:noAutofit/>
+          </a:bodyPr>
+          <a:lstStyle/>
+          <a:p>
+            <a:pPr indent="0" lvl="0" marL="0" rtl="0" algn="l">
+              <a:spcBef>
+                <a:spcPts val="0"/>
+              </a:spcBef>
+              <a:spcAft>
+                <a:spcPts val="0"/>
+              </a:spcAft>
+              <a:buNone/>
+            </a:pPr>
+            <a:r>
+              <a:rPr lang="en"/>
+              <a:t>Vincent</a:t>
+            </a:r>
+            <a:endParaRPr/>
+          </a:p>
+          <a:p>
+            <a:pPr indent="0" lvl="0" marL="0" rtl="0" algn="l">
+              <a:spcBef>
+                <a:spcPts val="0"/>
+              </a:spcBef>
+              <a:spcAft>
+                <a:spcPts val="0"/>
+              </a:spcAft>
+              <a:buNone/>
+            </a:pPr>
+            <a:r>
+              <a:rPr lang="en"/>
+              <a:t>Hypothesis Testing</a:t>
+            </a:r>
+            <a:endParaRPr/>
+          </a:p>
+        </p:txBody>
+      </p:sp>
+      <p:sp>
+        <p:nvSpPr>
+          <p:cNvPr id="520" name="Google Shape;520;p46"/>
+          <p:cNvSpPr txBox="1"/>
+          <p:nvPr>
+            <p:ph idx="1" type="body"/>
+          </p:nvPr>
+        </p:nvSpPr>
+        <p:spPr>
+          <a:xfrm>
+            <a:off x="1303800" y="1990050"/>
+            <a:ext cx="7030500" cy="2541600"/>
+          </a:xfrm>
+          <a:prstGeom prst="rect">
+            <a:avLst/>
+          </a:prstGeom>
+        </p:spPr>
+        <p:txBody>
+          <a:bodyPr anchorCtr="0" anchor="t" bIns="91425" lIns="91425" spcFirstLastPara="1" rIns="91425" wrap="square" tIns="91425">
+            <a:noAutofit/>
+          </a:bodyPr>
+          <a:lstStyle/>
+          <a:p>
+            <a:pPr indent="-342900" lvl="0" marL="457200" rtl="0" algn="l">
+              <a:spcBef>
+                <a:spcPts val="0"/>
+              </a:spcBef>
+              <a:spcAft>
+                <a:spcPts val="0"/>
+              </a:spcAft>
+              <a:buSzPts val="1800"/>
+              <a:buFont typeface="Times New Roman"/>
+              <a:buChar char="●"/>
+            </a:pPr>
+            <a:r>
+              <a:rPr lang="en" sz="1800">
+                <a:latin typeface="Times New Roman"/>
+                <a:ea typeface="Times New Roman"/>
+                <a:cs typeface="Times New Roman"/>
+                <a:sym typeface="Times New Roman"/>
+              </a:rPr>
+              <a:t>Pose The Question</a:t>
+            </a:r>
+            <a:endParaRPr sz="1800">
+              <a:latin typeface="Times New Roman"/>
+              <a:ea typeface="Times New Roman"/>
+              <a:cs typeface="Times New Roman"/>
+              <a:sym typeface="Times New Roman"/>
+            </a:endParaRPr>
+          </a:p>
+          <a:p>
+            <a:pPr indent="-342900" lvl="1" marL="914400" rtl="0" algn="l">
+              <a:spcBef>
+                <a:spcPts val="0"/>
+              </a:spcBef>
+              <a:spcAft>
+                <a:spcPts val="0"/>
+              </a:spcAft>
+              <a:buSzPts val="1800"/>
+              <a:buFont typeface="Times New Roman"/>
+              <a:buChar char="○"/>
+            </a:pPr>
+            <a:r>
+              <a:rPr lang="en" sz="1800">
+                <a:latin typeface="Times New Roman"/>
+                <a:ea typeface="Times New Roman"/>
+                <a:cs typeface="Times New Roman"/>
+                <a:sym typeface="Times New Roman"/>
+              </a:rPr>
+              <a:t>What is the likely cost for each podcast?</a:t>
+            </a:r>
+            <a:endParaRPr sz="1800">
+              <a:latin typeface="Times New Roman"/>
+              <a:ea typeface="Times New Roman"/>
+              <a:cs typeface="Times New Roman"/>
+              <a:sym typeface="Times New Roman"/>
+            </a:endParaRPr>
+          </a:p>
+          <a:p>
+            <a:pPr indent="-342900" lvl="1" marL="914400" rtl="0" algn="l">
+              <a:spcBef>
+                <a:spcPts val="0"/>
+              </a:spcBef>
+              <a:spcAft>
+                <a:spcPts val="0"/>
+              </a:spcAft>
+              <a:buSzPts val="1800"/>
+              <a:buFont typeface="Times New Roman"/>
+              <a:buChar char="○"/>
+            </a:pPr>
+            <a:r>
+              <a:rPr lang="en" sz="1800">
+                <a:latin typeface="Times New Roman"/>
+                <a:ea typeface="Times New Roman"/>
+                <a:cs typeface="Times New Roman"/>
+                <a:sym typeface="Times New Roman"/>
+              </a:rPr>
+              <a:t>Use current iteration as the sample size, then throughout the course, the application will have the ability to collect population size. Such that, the application can calculate the P-value with using one sample T-test.</a:t>
+            </a:r>
+            <a:endParaRPr sz="1800">
+              <a:latin typeface="Times New Roman"/>
+              <a:ea typeface="Times New Roman"/>
+              <a:cs typeface="Times New Roman"/>
+              <a:sym typeface="Times New Roman"/>
+            </a:endParaRPr>
+          </a:p>
+        </p:txBody>
+      </p:sp>
+    </p:spTree>
+  </p:cSld>
+  <p:clrMapOvr>
+    <a:masterClrMapping/>
+  </p:clrMapOvr>
+</p:sld>
+</file>
+
+<file path=ppt/slides/slide35.xml><?xml version="1.0" encoding="utf-8"?>
+<p:sld xmlns:a="http://schemas.openxmlformats.org/drawingml/2006/main" xmlns:r="http://schemas.openxmlformats.org/officeDocument/2006/relationships" xmlns:mc="http://schemas.openxmlformats.org/markup-compatibility/2006" xmlns:mv="urn:schemas-microsoft-com:mac:vml" xmlns:p="http://schemas.openxmlformats.org/presentationml/2006/main" xmlns:c="http://schemas.openxmlformats.org/drawingml/2006/chart" xmlns:dgm="http://schemas.openxmlformats.org/drawingml/2006/diagram" xmlns:o="urn:schemas-microsoft-com:office:office" xmlns:v="urn:schemas-microsoft-com:vml" xmlns:pvml="urn:schemas-microsoft-com:office:powerpoint" xmlns:com="http://schemas.openxmlformats.org/drawingml/2006/compatibility" xmlns:p14="http://schemas.microsoft.com/office/powerpoint/2010/main" xmlns:p15="http://schemas.microsoft.com/office/powerpoint/2012/main">
+  <p:cSld>
+    <p:spTree>
+      <p:nvGrpSpPr>
+        <p:cNvPr id="524" name="Shape 524"/>
+        <p:cNvGrpSpPr/>
+        <p:nvPr/>
+      </p:nvGrpSpPr>
+      <p:grpSpPr>
+        <a:xfrm>
+          <a:off x="0" y="0"/>
+          <a:ext cx="0" cy="0"/>
+          <a:chOff x="0" y="0"/>
+          <a:chExt cx="0" cy="0"/>
+        </a:xfrm>
+      </p:grpSpPr>
+      <p:sp>
+        <p:nvSpPr>
+          <p:cNvPr id="525" name="Google Shape;525;p47"/>
           <p:cNvSpPr txBox="1"/>
           <p:nvPr>
             <p:ph type="title"/>
@@ -27561,6 +27870,285 @@
 </file>
 
 <file path=ppt/theme/theme1.xml><?xml version="1.0" encoding="utf-8"?>
+<a:theme xmlns:a="http://schemas.openxmlformats.org/drawingml/2006/main" xmlns:r="http://schemas.openxmlformats.org/officeDocument/2006/relationships" name="Momentum">
+  <a:themeElements>
+    <a:clrScheme name="Momentum">
+      <a:dk1>
+        <a:srgbClr val="C0791B"/>
+      </a:dk1>
+      <a:lt1>
+        <a:srgbClr val="FFFFFF"/>
+      </a:lt1>
+      <a:dk2>
+        <a:srgbClr val="424242"/>
+      </a:dk2>
+      <a:lt2>
+        <a:srgbClr val="8DD8D3"/>
+      </a:lt2>
+      <a:accent1>
+        <a:srgbClr val="0B6374"/>
+      </a:accent1>
+      <a:accent2>
+        <a:srgbClr val="FD5B58"/>
+      </a:accent2>
+      <a:accent3>
+        <a:srgbClr val="599191"/>
+      </a:accent3>
+      <a:accent4>
+        <a:srgbClr val="D7E6A3"/>
+      </a:accent4>
+      <a:accent5>
+        <a:srgbClr val="27278B"/>
+      </a:accent5>
+      <a:accent6>
+        <a:srgbClr val="D558AB"/>
+      </a:accent6>
+      <a:hlink>
+        <a:srgbClr val="27278B"/>
+      </a:hlink>
+      <a:folHlink>
+        <a:srgbClr val="27278B"/>
+      </a:folHlink>
+    </a:clrScheme>
+    <a:fontScheme name="Office">
+      <a:majorFont>
+        <a:latin typeface="Arial"/>
+        <a:ea typeface=""/>
+        <a:cs typeface=""/>
+        <a:font script="Jpan" typeface="ＭＳ Ｐゴシック"/>
+        <a:font script="Hang" typeface="맑은 고딕"/>
+        <a:font script="Hans" typeface="宋体"/>
+        <a:font script="Hant" typeface="新細明體"/>
+        <a:font script="Arab" typeface="Times New Roman"/>
+        <a:font script="Hebr" typeface="Times New Roman"/>
+        <a:font script="Thai" typeface="Angsana New"/>
+        <a:font script="Ethi" typeface="Nyala"/>
+        <a:font script="Beng" typeface="Vrinda"/>
+        <a:font script="Gujr" typeface="Shruti"/>
+        <a:font script="Khmr" typeface="MoolBoran"/>
+        <a:font script="Knda" typeface="Tunga"/>
+        <a:font script="Guru" typeface="Raavi"/>
+        <a:font script="Cans" typeface="Euphemia"/>
+        <a:font script="Cher" typeface="Plantagenet Cherokee"/>
+        <a:font script="Yiii" typeface="Microsoft Yi Baiti"/>
+        <a:font script="Tibt" typeface="Microsoft Himalaya"/>
+        <a:font script="Thaa" typeface="MV Boli"/>
+        <a:font script="Deva" typeface="Mangal"/>
+        <a:font script="Telu" typeface="Gautami"/>
+        <a:font script="Taml" typeface="Latha"/>
+        <a:font script="Syrc" typeface="Estrangelo Edessa"/>
+        <a:font script="Orya" typeface="Kalinga"/>
+        <a:font script="Mlym" typeface="Kartika"/>
+        <a:font script="Laoo" typeface="DokChampa"/>
+        <a:font script="Sinh" typeface="Iskoola Pota"/>
+        <a:font script="Mong" typeface="Mongolian Baiti"/>
+        <a:font script="Viet" typeface="Times New Roman"/>
+        <a:font script="Uigh" typeface="Microsoft Uighur"/>
+        <a:font script="Geor" typeface="Sylfaen"/>
+      </a:majorFont>
+      <a:minorFont>
+        <a:latin typeface="Arial"/>
+        <a:ea typeface=""/>
+        <a:cs typeface=""/>
+        <a:font script="Jpan" typeface="ＭＳ Ｐゴシック"/>
+        <a:font script="Hang" typeface="맑은 고딕"/>
+        <a:font script="Hans" typeface="宋体"/>
+        <a:font script="Hant" typeface="新細明體"/>
+        <a:font script="Arab" typeface="Arial"/>
+        <a:font script="Hebr" typeface="Arial"/>
+        <a:font script="Thai" typeface="Cordia New"/>
+        <a:font script="Ethi" typeface="Nyala"/>
+        <a:font script="Beng" typeface="Vrinda"/>
+        <a:font script="Gujr" typeface="Shruti"/>
+        <a:font script="Khmr" typeface="DaunPenh"/>
+        <a:font script="Knda" typeface="Tunga"/>
+        <a:font script="Guru" typeface="Raavi"/>
+        <a:font script="Cans" typeface="Euphemia"/>
+        <a:font script="Cher" typeface="Plantagenet Cherokee"/>
+        <a:font script="Yiii" typeface="Microsoft Yi Baiti"/>
+        <a:font script="Tibt" typeface="Microsoft Himalaya"/>
+        <a:font script="Thaa" typeface="MV Boli"/>
+        <a:font script="Deva" typeface="Mangal"/>
+        <a:font script="Telu" typeface="Gautami"/>
+        <a:font script="Taml" typeface="Latha"/>
+        <a:font script="Syrc" typeface="Estrangelo Edessa"/>
+        <a:font script="Orya" typeface="Kalinga"/>
+        <a:font script="Mlym" typeface="Kartika"/>
+        <a:font script="Laoo" typeface="DokChampa"/>
+        <a:font script="Sinh" typeface="Iskoola Pota"/>
+        <a:font script="Mong" typeface="Mongolian Baiti"/>
+        <a:font script="Viet" typeface="Arial"/>
+        <a:font script="Uigh" typeface="Microsoft Uighur"/>
+        <a:font script="Geor" typeface="Sylfaen"/>
+      </a:minorFont>
+    </a:fontScheme>
+    <a:fmtScheme name="Office">
+      <a:fillStyleLst>
+        <a:solidFill>
+          <a:schemeClr val="phClr"/>
+        </a:solidFill>
+        <a:gradFill rotWithShape="1">
+          <a:gsLst>
+            <a:gs pos="0">
+              <a:schemeClr val="phClr">
+                <a:tint val="50000"/>
+                <a:satMod val="300000"/>
+              </a:schemeClr>
+            </a:gs>
+            <a:gs pos="35000">
+              <a:schemeClr val="phClr">
+                <a:tint val="37000"/>
+                <a:satMod val="300000"/>
+              </a:schemeClr>
+            </a:gs>
+            <a:gs pos="100000">
+              <a:schemeClr val="phClr">
+                <a:tint val="15000"/>
+                <a:satMod val="350000"/>
+              </a:schemeClr>
+            </a:gs>
+          </a:gsLst>
+          <a:lin ang="16200000" scaled="1"/>
+        </a:gradFill>
+        <a:gradFill rotWithShape="1">
+          <a:gsLst>
+            <a:gs pos="0">
+              <a:schemeClr val="phClr">
+                <a:tint val="100000"/>
+                <a:shade val="100000"/>
+                <a:satMod val="130000"/>
+              </a:schemeClr>
+            </a:gs>
+            <a:gs pos="100000">
+              <a:schemeClr val="phClr">
+                <a:tint val="50000"/>
+                <a:shade val="100000"/>
+                <a:satMod val="350000"/>
+              </a:schemeClr>
+            </a:gs>
+          </a:gsLst>
+          <a:lin ang="16200000" scaled="0"/>
+        </a:gradFill>
+      </a:fillStyleLst>
+      <a:lnStyleLst>
+        <a:ln w="9525" cap="flat" cmpd="sng" algn="ctr">
+          <a:solidFill>
+            <a:schemeClr val="phClr">
+              <a:shade val="95000"/>
+              <a:satMod val="105000"/>
+            </a:schemeClr>
+          </a:solidFill>
+          <a:prstDash val="solid"/>
+        </a:ln>
+        <a:ln w="25400" cap="flat" cmpd="sng" algn="ctr">
+          <a:solidFill>
+            <a:schemeClr val="phClr"/>
+          </a:solidFill>
+          <a:prstDash val="solid"/>
+        </a:ln>
+        <a:ln w="38100" cap="flat" cmpd="sng" algn="ctr">
+          <a:solidFill>
+            <a:schemeClr val="phClr"/>
+          </a:solidFill>
+          <a:prstDash val="solid"/>
+        </a:ln>
+      </a:lnStyleLst>
+      <a:effectStyleLst>
+        <a:effectStyle>
+          <a:effectLst>
+            <a:outerShdw blurRad="40000" dist="20000" dir="5400000" rotWithShape="0">
+              <a:srgbClr val="000000">
+                <a:alpha val="38000"/>
+              </a:srgbClr>
+            </a:outerShdw>
+          </a:effectLst>
+        </a:effectStyle>
+        <a:effectStyle>
+          <a:effectLst>
+            <a:outerShdw blurRad="40000" dist="23000" dir="5400000" rotWithShape="0">
+              <a:srgbClr val="000000">
+                <a:alpha val="35000"/>
+              </a:srgbClr>
+            </a:outerShdw>
+          </a:effectLst>
+        </a:effectStyle>
+        <a:effectStyle>
+          <a:effectLst>
+            <a:outerShdw blurRad="40000" dist="23000" dir="5400000" rotWithShape="0">
+              <a:srgbClr val="000000">
+                <a:alpha val="35000"/>
+              </a:srgbClr>
+            </a:outerShdw>
+          </a:effectLst>
+          <a:scene3d>
+            <a:camera prst="orthographicFront">
+              <a:rot lat="0" lon="0" rev="0"/>
+            </a:camera>
+            <a:lightRig rig="threePt" dir="t">
+              <a:rot lat="0" lon="0" rev="1200000"/>
+            </a:lightRig>
+          </a:scene3d>
+          <a:sp3d>
+            <a:bevelT w="63500" h="25400"/>
+          </a:sp3d>
+        </a:effectStyle>
+      </a:effectStyleLst>
+      <a:bgFillStyleLst>
+        <a:solidFill>
+          <a:schemeClr val="phClr"/>
+        </a:solidFill>
+        <a:gradFill rotWithShape="1">
+          <a:gsLst>
+            <a:gs pos="0">
+              <a:schemeClr val="phClr">
+                <a:tint val="40000"/>
+                <a:satMod val="350000"/>
+              </a:schemeClr>
+            </a:gs>
+            <a:gs pos="40000">
+              <a:schemeClr val="phClr">
+                <a:tint val="45000"/>
+                <a:shade val="99000"/>
+                <a:satMod val="350000"/>
+              </a:schemeClr>
+            </a:gs>
+            <a:gs pos="100000">
+              <a:schemeClr val="phClr">
+                <a:shade val="20000"/>
+                <a:satMod val="255000"/>
+              </a:schemeClr>
+            </a:gs>
+          </a:gsLst>
+          <a:path path="circle">
+            <a:fillToRect l="50000" t="-80000" r="50000" b="180000"/>
+          </a:path>
+        </a:gradFill>
+        <a:gradFill rotWithShape="1">
+          <a:gsLst>
+            <a:gs pos="0">
+              <a:schemeClr val="phClr">
+                <a:tint val="80000"/>
+                <a:satMod val="300000"/>
+              </a:schemeClr>
+            </a:gs>
+            <a:gs pos="100000">
+              <a:schemeClr val="phClr">
+                <a:shade val="30000"/>
+                <a:satMod val="200000"/>
+              </a:schemeClr>
+            </a:gs>
+          </a:gsLst>
+          <a:path path="circle">
+            <a:fillToRect l="50000" t="50000" r="50000" b="50000"/>
+          </a:path>
+        </a:gradFill>
+      </a:bgFillStyleLst>
+    </a:fmtScheme>
+  </a:themeElements>
+</a:theme>
+</file>
+
+<file path=ppt/theme/theme2.xml><?xml version="1.0" encoding="utf-8"?>
 <a:theme xmlns:a="http://schemas.openxmlformats.org/drawingml/2006/main" xmlns:r="http://schemas.openxmlformats.org/officeDocument/2006/relationships">
   <a:themeElements>
     <a:clrScheme name="Default">
@@ -27837,283 +28425,4 @@
     </a:fmtScheme>
   </a:themeElements>
 </a:theme>
-</file>
-
-<file path=ppt/theme/theme2.xml><?xml version="1.0" encoding="utf-8"?>
-<a:theme xmlns:a="http://schemas.openxmlformats.org/drawingml/2006/main" xmlns:r="http://schemas.openxmlformats.org/officeDocument/2006/relationships" name="Momentum">
-  <a:themeElements>
-    <a:clrScheme name="Momentum">
-      <a:dk1>
-        <a:srgbClr val="C0791B"/>
-      </a:dk1>
-      <a:lt1>
-        <a:srgbClr val="FFFFFF"/>
-      </a:lt1>
-      <a:dk2>
-        <a:srgbClr val="424242"/>
-      </a:dk2>
-      <a:lt2>
-        <a:srgbClr val="8DD8D3"/>
-      </a:lt2>
-      <a:accent1>
-        <a:srgbClr val="0B6374"/>
-      </a:accent1>
-      <a:accent2>
-        <a:srgbClr val="FD5B58"/>
-      </a:accent2>
-      <a:accent3>
-        <a:srgbClr val="599191"/>
-      </a:accent3>
-      <a:accent4>
-        <a:srgbClr val="D7E6A3"/>
-      </a:accent4>
-      <a:accent5>
-        <a:srgbClr val="27278B"/>
-      </a:accent5>
-      <a:accent6>
-        <a:srgbClr val="D558AB"/>
-      </a:accent6>
-      <a:hlink>
-        <a:srgbClr val="27278B"/>
-      </a:hlink>
-      <a:folHlink>
-        <a:srgbClr val="27278B"/>
-      </a:folHlink>
-    </a:clrScheme>
-    <a:fontScheme name="Office">
-      <a:majorFont>
-        <a:latin typeface="Arial"/>
-        <a:ea typeface=""/>
-        <a:cs typeface=""/>
-        <a:font script="Jpan" typeface="ＭＳ Ｐゴシック"/>
-        <a:font script="Hang" typeface="맑은 고딕"/>
-        <a:font script="Hans" typeface="宋体"/>
-        <a:font script="Hant" typeface="新細明體"/>
-        <a:font script="Arab" typeface="Times New Roman"/>
-        <a:font script="Hebr" typeface="Times New Roman"/>
-        <a:font script="Thai" typeface="Angsana New"/>
-        <a:font script="Ethi" typeface="Nyala"/>
-        <a:font script="Beng" typeface="Vrinda"/>
-        <a:font script="Gujr" typeface="Shruti"/>
-        <a:font script="Khmr" typeface="MoolBoran"/>
-        <a:font script="Knda" typeface="Tunga"/>
-        <a:font script="Guru" typeface="Raavi"/>
-        <a:font script="Cans" typeface="Euphemia"/>
-        <a:font script="Cher" typeface="Plantagenet Cherokee"/>
-        <a:font script="Yiii" typeface="Microsoft Yi Baiti"/>
-        <a:font script="Tibt" typeface="Microsoft Himalaya"/>
-        <a:font script="Thaa" typeface="MV Boli"/>
-        <a:font script="Deva" typeface="Mangal"/>
-        <a:font script="Telu" typeface="Gautami"/>
-        <a:font script="Taml" typeface="Latha"/>
-        <a:font script="Syrc" typeface="Estrangelo Edessa"/>
-        <a:font script="Orya" typeface="Kalinga"/>
-        <a:font script="Mlym" typeface="Kartika"/>
-        <a:font script="Laoo" typeface="DokChampa"/>
-        <a:font script="Sinh" typeface="Iskoola Pota"/>
-        <a:font script="Mong" typeface="Mongolian Baiti"/>
-        <a:font script="Viet" typeface="Times New Roman"/>
-        <a:font script="Uigh" typeface="Microsoft Uighur"/>
-        <a:font script="Geor" typeface="Sylfaen"/>
-      </a:majorFont>
-      <a:minorFont>
-        <a:latin typeface="Arial"/>
-        <a:ea typeface=""/>
-        <a:cs typeface=""/>
-        <a:font script="Jpan" typeface="ＭＳ Ｐゴシック"/>
-        <a:font script="Hang" typeface="맑은 고딕"/>
-        <a:font script="Hans" typeface="宋体"/>
-        <a:font script="Hant" typeface="新細明體"/>
-        <a:font script="Arab" typeface="Arial"/>
-        <a:font script="Hebr" typeface="Arial"/>
-        <a:font script="Thai" typeface="Cordia New"/>
-        <a:font script="Ethi" typeface="Nyala"/>
-        <a:font script="Beng" typeface="Vrinda"/>
-        <a:font script="Gujr" typeface="Shruti"/>
-        <a:font script="Khmr" typeface="DaunPenh"/>
-        <a:font script="Knda" typeface="Tunga"/>
-        <a:font script="Guru" typeface="Raavi"/>
-        <a:font script="Cans" typeface="Euphemia"/>
-        <a:font script="Cher" typeface="Plantagenet Cherokee"/>
-        <a:font script="Yiii" typeface="Microsoft Yi Baiti"/>
-        <a:font script="Tibt" typeface="Microsoft Himalaya"/>
-        <a:font script="Thaa" typeface="MV Boli"/>
-        <a:font script="Deva" typeface="Mangal"/>
-        <a:font script="Telu" typeface="Gautami"/>
-        <a:font script="Taml" typeface="Latha"/>
-        <a:font script="Syrc" typeface="Estrangelo Edessa"/>
-        <a:font script="Orya" typeface="Kalinga"/>
-        <a:font script="Mlym" typeface="Kartika"/>
-        <a:font script="Laoo" typeface="DokChampa"/>
-        <a:font script="Sinh" typeface="Iskoola Pota"/>
-        <a:font script="Mong" typeface="Mongolian Baiti"/>
-        <a:font script="Viet" typeface="Arial"/>
-        <a:font script="Uigh" typeface="Microsoft Uighur"/>
-        <a:font script="Geor" typeface="Sylfaen"/>
-      </a:minorFont>
-    </a:fontScheme>
-    <a:fmtScheme name="Office">
-      <a:fillStyleLst>
-        <a:solidFill>
-          <a:schemeClr val="phClr"/>
-        </a:solidFill>
-        <a:gradFill rotWithShape="1">
-          <a:gsLst>
-            <a:gs pos="0">
-              <a:schemeClr val="phClr">
-                <a:tint val="50000"/>
-                <a:satMod val="300000"/>
-              </a:schemeClr>
-            </a:gs>
-            <a:gs pos="35000">
-              <a:schemeClr val="phClr">
-                <a:tint val="37000"/>
-                <a:satMod val="300000"/>
-              </a:schemeClr>
-            </a:gs>
-            <a:gs pos="100000">
-              <a:schemeClr val="phClr">
-                <a:tint val="15000"/>
-                <a:satMod val="350000"/>
-              </a:schemeClr>
-            </a:gs>
-          </a:gsLst>
-          <a:lin ang="16200000" scaled="1"/>
-        </a:gradFill>
-        <a:gradFill rotWithShape="1">
-          <a:gsLst>
-            <a:gs pos="0">
-              <a:schemeClr val="phClr">
-                <a:tint val="100000"/>
-                <a:shade val="100000"/>
-                <a:satMod val="130000"/>
-              </a:schemeClr>
-            </a:gs>
-            <a:gs pos="100000">
-              <a:schemeClr val="phClr">
-                <a:tint val="50000"/>
-                <a:shade val="100000"/>
-                <a:satMod val="350000"/>
-              </a:schemeClr>
-            </a:gs>
-          </a:gsLst>
-          <a:lin ang="16200000" scaled="0"/>
-        </a:gradFill>
-      </a:fillStyleLst>
-      <a:lnStyleLst>
-        <a:ln w="9525" cap="flat" cmpd="sng" algn="ctr">
-          <a:solidFill>
-            <a:schemeClr val="phClr">
-              <a:shade val="95000"/>
-              <a:satMod val="105000"/>
-            </a:schemeClr>
-          </a:solidFill>
-          <a:prstDash val="solid"/>
-        </a:ln>
-        <a:ln w="25400" cap="flat" cmpd="sng" algn="ctr">
-          <a:solidFill>
-            <a:schemeClr val="phClr"/>
-          </a:solidFill>
-          <a:prstDash val="solid"/>
-        </a:ln>
-        <a:ln w="38100" cap="flat" cmpd="sng" algn="ctr">
-          <a:solidFill>
-            <a:schemeClr val="phClr"/>
-          </a:solidFill>
-          <a:prstDash val="solid"/>
-        </a:ln>
-      </a:lnStyleLst>
-      <a:effectStyleLst>
-        <a:effectStyle>
-          <a:effectLst>
-            <a:outerShdw blurRad="40000" dist="20000" dir="5400000" rotWithShape="0">
-              <a:srgbClr val="000000">
-                <a:alpha val="38000"/>
-              </a:srgbClr>
-            </a:outerShdw>
-          </a:effectLst>
-        </a:effectStyle>
-        <a:effectStyle>
-          <a:effectLst>
-            <a:outerShdw blurRad="40000" dist="23000" dir="5400000" rotWithShape="0">
-              <a:srgbClr val="000000">
-                <a:alpha val="35000"/>
-              </a:srgbClr>
-            </a:outerShdw>
-          </a:effectLst>
-        </a:effectStyle>
-        <a:effectStyle>
-          <a:effectLst>
-            <a:outerShdw blurRad="40000" dist="23000" dir="5400000" rotWithShape="0">
-              <a:srgbClr val="000000">
-                <a:alpha val="35000"/>
-              </a:srgbClr>
-            </a:outerShdw>
-          </a:effectLst>
-          <a:scene3d>
-            <a:camera prst="orthographicFront">
-              <a:rot lat="0" lon="0" rev="0"/>
-            </a:camera>
-            <a:lightRig rig="threePt" dir="t">
-              <a:rot lat="0" lon="0" rev="1200000"/>
-            </a:lightRig>
-          </a:scene3d>
-          <a:sp3d>
-            <a:bevelT w="63500" h="25400"/>
-          </a:sp3d>
-        </a:effectStyle>
-      </a:effectStyleLst>
-      <a:bgFillStyleLst>
-        <a:solidFill>
-          <a:schemeClr val="phClr"/>
-        </a:solidFill>
-        <a:gradFill rotWithShape="1">
-          <a:gsLst>
-            <a:gs pos="0">
-              <a:schemeClr val="phClr">
-                <a:tint val="40000"/>
-                <a:satMod val="350000"/>
-              </a:schemeClr>
-            </a:gs>
-            <a:gs pos="40000">
-              <a:schemeClr val="phClr">
-                <a:tint val="45000"/>
-                <a:shade val="99000"/>
-                <a:satMod val="350000"/>
-              </a:schemeClr>
-            </a:gs>
-            <a:gs pos="100000">
-              <a:schemeClr val="phClr">
-                <a:shade val="20000"/>
-                <a:satMod val="255000"/>
-              </a:schemeClr>
-            </a:gs>
-          </a:gsLst>
-          <a:path path="circle">
-            <a:fillToRect l="50000" t="-80000" r="50000" b="180000"/>
-          </a:path>
-        </a:gradFill>
-        <a:gradFill rotWithShape="1">
-          <a:gsLst>
-            <a:gs pos="0">
-              <a:schemeClr val="phClr">
-                <a:tint val="80000"/>
-                <a:satMod val="300000"/>
-              </a:schemeClr>
-            </a:gs>
-            <a:gs pos="100000">
-              <a:schemeClr val="phClr">
-                <a:shade val="30000"/>
-                <a:satMod val="200000"/>
-              </a:schemeClr>
-            </a:gs>
-          </a:gsLst>
-          <a:path path="circle">
-            <a:fillToRect l="50000" t="50000" r="50000" b="50000"/>
-          </a:path>
-        </a:gradFill>
-      </a:bgFillStyleLst>
-    </a:fmtScheme>
-  </a:themeElements>
-</a:theme>
 </file>
--- a/doc/Podknow_ Statistics.pptx
+++ b/doc/Podknow_ Statistics.pptx
@@ -2044,7 +2044,7 @@
   <p:cSld>
     <p:spTree>
       <p:nvGrpSpPr>
-        <p:cNvPr id="425" name="Shape 425"/>
+        <p:cNvPr id="426" name="Shape 426"/>
         <p:cNvGrpSpPr/>
         <p:nvPr/>
       </p:nvGrpSpPr>
@@ -2058,7 +2058,7 @@
       </p:grpSpPr>
       <p:sp>
         <p:nvSpPr>
-          <p:cNvPr id="426" name="Google Shape;426;g65bd433b82_0_10:notes"/>
+          <p:cNvPr id="427" name="Google Shape;427;g65bd433b82_0_10:notes"/>
           <p:cNvSpPr/>
           <p:nvPr>
             <p:ph idx="2" type="sldImg"/>
@@ -2093,7 +2093,7 @@
       </p:sp>
       <p:sp>
         <p:nvSpPr>
-          <p:cNvPr id="427" name="Google Shape;427;g65bd433b82_0_10:notes"/>
+          <p:cNvPr id="428" name="Google Shape;428;g65bd433b82_0_10:notes"/>
           <p:cNvSpPr txBox="1"/>
           <p:nvPr>
             <p:ph idx="1" type="body"/>
@@ -2143,7 +2143,7 @@
   <p:cSld>
     <p:spTree>
       <p:nvGrpSpPr>
-        <p:cNvPr id="431" name="Shape 431"/>
+        <p:cNvPr id="433" name="Shape 433"/>
         <p:cNvGrpSpPr/>
         <p:nvPr/>
       </p:nvGrpSpPr>
@@ -2157,7 +2157,7 @@
       </p:grpSpPr>
       <p:sp>
         <p:nvSpPr>
-          <p:cNvPr id="432" name="Google Shape;432;g65bd433b82_0_2:notes"/>
+          <p:cNvPr id="434" name="Google Shape;434;g65bd433b82_0_2:notes"/>
           <p:cNvSpPr/>
           <p:nvPr>
             <p:ph idx="2" type="sldImg"/>
@@ -2192,7 +2192,7 @@
       </p:sp>
       <p:sp>
         <p:nvSpPr>
-          <p:cNvPr id="433" name="Google Shape;433;g65bd433b82_0_2:notes"/>
+          <p:cNvPr id="435" name="Google Shape;435;g65bd433b82_0_2:notes"/>
           <p:cNvSpPr txBox="1"/>
           <p:nvPr>
             <p:ph idx="1" type="body"/>
@@ -2242,7 +2242,7 @@
   <p:cSld>
     <p:spTree>
       <p:nvGrpSpPr>
-        <p:cNvPr id="439" name="Shape 439"/>
+        <p:cNvPr id="441" name="Shape 441"/>
         <p:cNvGrpSpPr/>
         <p:nvPr/>
       </p:nvGrpSpPr>
@@ -2256,7 +2256,7 @@
       </p:grpSpPr>
       <p:sp>
         <p:nvSpPr>
-          <p:cNvPr id="440" name="Google Shape;440;g62f18fae40_0_324:notes"/>
+          <p:cNvPr id="442" name="Google Shape;442;g62f18fae40_0_324:notes"/>
           <p:cNvSpPr/>
           <p:nvPr>
             <p:ph idx="2" type="sldImg"/>
@@ -2291,7 +2291,7 @@
       </p:sp>
       <p:sp>
         <p:nvSpPr>
-          <p:cNvPr id="441" name="Google Shape;441;g62f18fae40_0_324:notes"/>
+          <p:cNvPr id="443" name="Google Shape;443;g62f18fae40_0_324:notes"/>
           <p:cNvSpPr txBox="1"/>
           <p:nvPr>
             <p:ph idx="1" type="body"/>
@@ -2341,7 +2341,7 @@
   <p:cSld>
     <p:spTree>
       <p:nvGrpSpPr>
-        <p:cNvPr id="446" name="Shape 446"/>
+        <p:cNvPr id="448" name="Shape 448"/>
         <p:cNvGrpSpPr/>
         <p:nvPr/>
       </p:nvGrpSpPr>
@@ -2355,7 +2355,7 @@
       </p:grpSpPr>
       <p:sp>
         <p:nvSpPr>
-          <p:cNvPr id="447" name="Google Shape;447;g62f18fae40_0_339:notes"/>
+          <p:cNvPr id="449" name="Google Shape;449;g62f18fae40_0_339:notes"/>
           <p:cNvSpPr/>
           <p:nvPr>
             <p:ph idx="2" type="sldImg"/>
@@ -2390,7 +2390,7 @@
       </p:sp>
       <p:sp>
         <p:nvSpPr>
-          <p:cNvPr id="448" name="Google Shape;448;g62f18fae40_0_339:notes"/>
+          <p:cNvPr id="450" name="Google Shape;450;g62f18fae40_0_339:notes"/>
           <p:cNvSpPr txBox="1"/>
           <p:nvPr>
             <p:ph idx="1" type="body"/>
@@ -2440,7 +2440,7 @@
   <p:cSld>
     <p:spTree>
       <p:nvGrpSpPr>
-        <p:cNvPr id="453" name="Shape 453"/>
+        <p:cNvPr id="455" name="Shape 455"/>
         <p:cNvGrpSpPr/>
         <p:nvPr/>
       </p:nvGrpSpPr>
@@ -2454,7 +2454,7 @@
       </p:grpSpPr>
       <p:sp>
         <p:nvSpPr>
-          <p:cNvPr id="454" name="Google Shape;454;g708bbd4f04_0_6:notes"/>
+          <p:cNvPr id="456" name="Google Shape;456;g708bbd4f04_0_6:notes"/>
           <p:cNvSpPr/>
           <p:nvPr>
             <p:ph idx="2" type="sldImg"/>
@@ -2489,7 +2489,7 @@
       </p:sp>
       <p:sp>
         <p:nvSpPr>
-          <p:cNvPr id="455" name="Google Shape;455;g708bbd4f04_0_6:notes"/>
+          <p:cNvPr id="457" name="Google Shape;457;g708bbd4f04_0_6:notes"/>
           <p:cNvSpPr txBox="1"/>
           <p:nvPr>
             <p:ph idx="1" type="body"/>
@@ -2539,7 +2539,7 @@
   <p:cSld>
     <p:spTree>
       <p:nvGrpSpPr>
-        <p:cNvPr id="460" name="Shape 460"/>
+        <p:cNvPr id="462" name="Shape 462"/>
         <p:cNvGrpSpPr/>
         <p:nvPr/>
       </p:nvGrpSpPr>
@@ -2553,7 +2553,7 @@
       </p:grpSpPr>
       <p:sp>
         <p:nvSpPr>
-          <p:cNvPr id="461" name="Google Shape;461;g708bbd4f04_0_11:notes"/>
+          <p:cNvPr id="463" name="Google Shape;463;g708bbd4f04_0_11:notes"/>
           <p:cNvSpPr/>
           <p:nvPr>
             <p:ph idx="2" type="sldImg"/>
@@ -2588,7 +2588,7 @@
       </p:sp>
       <p:sp>
         <p:nvSpPr>
-          <p:cNvPr id="462" name="Google Shape;462;g708bbd4f04_0_11:notes"/>
+          <p:cNvPr id="464" name="Google Shape;464;g708bbd4f04_0_11:notes"/>
           <p:cNvSpPr txBox="1"/>
           <p:nvPr>
             <p:ph idx="1" type="body"/>
@@ -2638,7 +2638,7 @@
   <p:cSld>
     <p:spTree>
       <p:nvGrpSpPr>
-        <p:cNvPr id="468" name="Shape 468"/>
+        <p:cNvPr id="470" name="Shape 470"/>
         <p:cNvGrpSpPr/>
         <p:nvPr/>
       </p:nvGrpSpPr>
@@ -2652,7 +2652,7 @@
       </p:grpSpPr>
       <p:sp>
         <p:nvSpPr>
-          <p:cNvPr id="469" name="Google Shape;469;g708bbd4f04_0_22:notes"/>
+          <p:cNvPr id="471" name="Google Shape;471;g708bbd4f04_0_22:notes"/>
           <p:cNvSpPr/>
           <p:nvPr>
             <p:ph idx="2" type="sldImg"/>
@@ -2687,7 +2687,7 @@
       </p:sp>
       <p:sp>
         <p:nvSpPr>
-          <p:cNvPr id="470" name="Google Shape;470;g708bbd4f04_0_22:notes"/>
+          <p:cNvPr id="472" name="Google Shape;472;g708bbd4f04_0_22:notes"/>
           <p:cNvSpPr txBox="1"/>
           <p:nvPr>
             <p:ph idx="1" type="body"/>
@@ -2737,7 +2737,7 @@
   <p:cSld>
     <p:spTree>
       <p:nvGrpSpPr>
-        <p:cNvPr id="475" name="Shape 475"/>
+        <p:cNvPr id="477" name="Shape 477"/>
         <p:cNvGrpSpPr/>
         <p:nvPr/>
       </p:nvGrpSpPr>
@@ -2751,7 +2751,7 @@
       </p:grpSpPr>
       <p:sp>
         <p:nvSpPr>
-          <p:cNvPr id="476" name="Google Shape;476;g65c66a8416_1_0:notes"/>
+          <p:cNvPr id="478" name="Google Shape;478;g65c66a8416_1_0:notes"/>
           <p:cNvSpPr/>
           <p:nvPr>
             <p:ph idx="2" type="sldImg"/>
@@ -2786,7 +2786,7 @@
       </p:sp>
       <p:sp>
         <p:nvSpPr>
-          <p:cNvPr id="477" name="Google Shape;477;g65c66a8416_1_0:notes"/>
+          <p:cNvPr id="479" name="Google Shape;479;g65c66a8416_1_0:notes"/>
           <p:cNvSpPr txBox="1"/>
           <p:nvPr>
             <p:ph idx="1" type="body"/>
@@ -2836,7 +2836,7 @@
   <p:cSld>
     <p:spTree>
       <p:nvGrpSpPr>
-        <p:cNvPr id="481" name="Shape 481"/>
+        <p:cNvPr id="483" name="Shape 483"/>
         <p:cNvGrpSpPr/>
         <p:nvPr/>
       </p:nvGrpSpPr>
@@ -2850,7 +2850,7 @@
       </p:grpSpPr>
       <p:sp>
         <p:nvSpPr>
-          <p:cNvPr id="482" name="Google Shape;482;g62f18fae40_0_344:notes"/>
+          <p:cNvPr id="484" name="Google Shape;484;g62f18fae40_0_344:notes"/>
           <p:cNvSpPr/>
           <p:nvPr>
             <p:ph idx="2" type="sldImg"/>
@@ -2885,7 +2885,7 @@
       </p:sp>
       <p:sp>
         <p:nvSpPr>
-          <p:cNvPr id="483" name="Google Shape;483;g62f18fae40_0_344:notes"/>
+          <p:cNvPr id="485" name="Google Shape;485;g62f18fae40_0_344:notes"/>
           <p:cNvSpPr txBox="1"/>
           <p:nvPr>
             <p:ph idx="1" type="body"/>
@@ -3035,7 +3035,7 @@
   <p:cSld>
     <p:spTree>
       <p:nvGrpSpPr>
-        <p:cNvPr id="487" name="Shape 487"/>
+        <p:cNvPr id="489" name="Shape 489"/>
         <p:cNvGrpSpPr/>
         <p:nvPr/>
       </p:nvGrpSpPr>
@@ -3049,7 +3049,7 @@
       </p:grpSpPr>
       <p:sp>
         <p:nvSpPr>
-          <p:cNvPr id="488" name="Google Shape;488;g658ffa069b_3_0:notes"/>
+          <p:cNvPr id="490" name="Google Shape;490;g658ffa069b_3_0:notes"/>
           <p:cNvSpPr/>
           <p:nvPr>
             <p:ph idx="2" type="sldImg"/>
@@ -3084,7 +3084,7 @@
       </p:sp>
       <p:sp>
         <p:nvSpPr>
-          <p:cNvPr id="489" name="Google Shape;489;g658ffa069b_3_0:notes"/>
+          <p:cNvPr id="491" name="Google Shape;491;g658ffa069b_3_0:notes"/>
           <p:cNvSpPr txBox="1"/>
           <p:nvPr>
             <p:ph idx="1" type="body"/>
@@ -3134,7 +3134,7 @@
   <p:cSld>
     <p:spTree>
       <p:nvGrpSpPr>
-        <p:cNvPr id="494" name="Shape 494"/>
+        <p:cNvPr id="496" name="Shape 496"/>
         <p:cNvGrpSpPr/>
         <p:nvPr/>
       </p:nvGrpSpPr>
@@ -3148,7 +3148,7 @@
       </p:grpSpPr>
       <p:sp>
         <p:nvSpPr>
-          <p:cNvPr id="495" name="Google Shape;495;g658ffa069b_3_13:notes"/>
+          <p:cNvPr id="497" name="Google Shape;497;g658ffa069b_3_13:notes"/>
           <p:cNvSpPr/>
           <p:nvPr>
             <p:ph idx="2" type="sldImg"/>
@@ -3183,7 +3183,7 @@
       </p:sp>
       <p:sp>
         <p:nvSpPr>
-          <p:cNvPr id="496" name="Google Shape;496;g658ffa069b_3_13:notes"/>
+          <p:cNvPr id="498" name="Google Shape;498;g658ffa069b_3_13:notes"/>
           <p:cNvSpPr txBox="1"/>
           <p:nvPr>
             <p:ph idx="1" type="body"/>
@@ -3233,7 +3233,7 @@
   <p:cSld>
     <p:spTree>
       <p:nvGrpSpPr>
-        <p:cNvPr id="501" name="Shape 501"/>
+        <p:cNvPr id="503" name="Shape 503"/>
         <p:cNvGrpSpPr/>
         <p:nvPr/>
       </p:nvGrpSpPr>
@@ -3247,7 +3247,7 @@
       </p:grpSpPr>
       <p:sp>
         <p:nvSpPr>
-          <p:cNvPr id="502" name="Google Shape;502;g658ffa069b_3_19:notes"/>
+          <p:cNvPr id="504" name="Google Shape;504;g658ffa069b_3_19:notes"/>
           <p:cNvSpPr/>
           <p:nvPr>
             <p:ph idx="2" type="sldImg"/>
@@ -3282,7 +3282,7 @@
       </p:sp>
       <p:sp>
         <p:nvSpPr>
-          <p:cNvPr id="503" name="Google Shape;503;g658ffa069b_3_19:notes"/>
+          <p:cNvPr id="505" name="Google Shape;505;g658ffa069b_3_19:notes"/>
           <p:cNvSpPr txBox="1"/>
           <p:nvPr>
             <p:ph idx="1" type="body"/>
@@ -3332,7 +3332,7 @@
   <p:cSld>
     <p:spTree>
       <p:nvGrpSpPr>
-        <p:cNvPr id="508" name="Shape 508"/>
+        <p:cNvPr id="510" name="Shape 510"/>
         <p:cNvGrpSpPr/>
         <p:nvPr/>
       </p:nvGrpSpPr>
@@ -3346,7 +3346,7 @@
       </p:grpSpPr>
       <p:sp>
         <p:nvSpPr>
-          <p:cNvPr id="509" name="Google Shape;509;g658ffa069b_3_30:notes"/>
+          <p:cNvPr id="511" name="Google Shape;511;g658ffa069b_3_30:notes"/>
           <p:cNvSpPr/>
           <p:nvPr>
             <p:ph idx="2" type="sldImg"/>
@@ -3381,7 +3381,7 @@
       </p:sp>
       <p:sp>
         <p:nvSpPr>
-          <p:cNvPr id="510" name="Google Shape;510;g658ffa069b_3_30:notes"/>
+          <p:cNvPr id="512" name="Google Shape;512;g658ffa069b_3_30:notes"/>
           <p:cNvSpPr txBox="1"/>
           <p:nvPr>
             <p:ph idx="1" type="body"/>
@@ -3431,7 +3431,7 @@
   <p:cSld>
     <p:spTree>
       <p:nvGrpSpPr>
-        <p:cNvPr id="515" name="Shape 515"/>
+        <p:cNvPr id="517" name="Shape 517"/>
         <p:cNvGrpSpPr/>
         <p:nvPr/>
       </p:nvGrpSpPr>
@@ -3445,7 +3445,7 @@
       </p:grpSpPr>
       <p:sp>
         <p:nvSpPr>
-          <p:cNvPr id="516" name="Google Shape;516;g658ffa069b_3_25:notes"/>
+          <p:cNvPr id="518" name="Google Shape;518;g658ffa069b_3_25:notes"/>
           <p:cNvSpPr/>
           <p:nvPr>
             <p:ph idx="2" type="sldImg"/>
@@ -3480,7 +3480,7 @@
       </p:sp>
       <p:sp>
         <p:nvSpPr>
-          <p:cNvPr id="517" name="Google Shape;517;g658ffa069b_3_25:notes"/>
+          <p:cNvPr id="519" name="Google Shape;519;g658ffa069b_3_25:notes"/>
           <p:cNvSpPr txBox="1"/>
           <p:nvPr>
             <p:ph idx="1" type="body"/>
@@ -3530,7 +3530,7 @@
   <p:cSld>
     <p:spTree>
       <p:nvGrpSpPr>
-        <p:cNvPr id="521" name="Shape 521"/>
+        <p:cNvPr id="523" name="Shape 523"/>
         <p:cNvGrpSpPr/>
         <p:nvPr/>
       </p:nvGrpSpPr>
@@ -3544,7 +3544,7 @@
       </p:grpSpPr>
       <p:sp>
         <p:nvSpPr>
-          <p:cNvPr id="522" name="Google Shape;522;g658ffa069b_3_45:notes"/>
+          <p:cNvPr id="524" name="Google Shape;524;g658ffa069b_3_45:notes"/>
           <p:cNvSpPr/>
           <p:nvPr>
             <p:ph idx="2" type="sldImg"/>
@@ -3579,7 +3579,7 @@
       </p:sp>
       <p:sp>
         <p:nvSpPr>
-          <p:cNvPr id="523" name="Google Shape;523;g658ffa069b_3_45:notes"/>
+          <p:cNvPr id="525" name="Google Shape;525;g658ffa069b_3_45:notes"/>
           <p:cNvSpPr txBox="1"/>
           <p:nvPr>
             <p:ph idx="1" type="body"/>
@@ -22089,72 +22089,72 @@
           </a:bodyPr>
           <a:lstStyle/>
           <a:p>
-            <a:pPr indent="-336550" lvl="0" marL="457200" rtl="0" algn="l">
-              <a:spcBef>
-                <a:spcPts val="0"/>
-              </a:spcBef>
-              <a:spcAft>
-                <a:spcPts val="0"/>
-              </a:spcAft>
-              <a:buSzPts val="1700"/>
+            <a:pPr indent="-323850" lvl="0" marL="457200" rtl="0" algn="l">
+              <a:spcBef>
+                <a:spcPts val="0"/>
+              </a:spcBef>
+              <a:spcAft>
+                <a:spcPts val="0"/>
+              </a:spcAft>
+              <a:buSzPts val="1500"/>
               <a:buChar char="●"/>
             </a:pPr>
             <a:r>
-              <a:rPr lang="en" sz="1700"/>
+              <a:rPr lang="en" sz="1500"/>
               <a:t>Do related LDA models built from bigrams between similar podcasts (in this case crime related) have smaller differences between their topic probabilities as measured by the Hellinger distance equation in comparison to unrelated podcasts?</a:t>
             </a:r>
-            <a:endParaRPr sz="1700"/>
-          </a:p>
-          <a:p>
-            <a:pPr indent="-336550" lvl="0" marL="457200" rtl="0" algn="l">
-              <a:spcBef>
-                <a:spcPts val="0"/>
-              </a:spcBef>
-              <a:spcAft>
-                <a:spcPts val="0"/>
-              </a:spcAft>
-              <a:buSzPts val="1700"/>
+            <a:endParaRPr sz="1500"/>
+          </a:p>
+          <a:p>
+            <a:pPr indent="-323850" lvl="0" marL="457200" rtl="0" algn="l">
+              <a:spcBef>
+                <a:spcPts val="0"/>
+              </a:spcBef>
+              <a:spcAft>
+                <a:spcPts val="0"/>
+              </a:spcAft>
+              <a:buSzPts val="1500"/>
               <a:buChar char="●"/>
             </a:pPr>
             <a:r>
-              <a:rPr lang="en" sz="1700"/>
+              <a:rPr lang="en" sz="1500"/>
               <a:t>Null hypothesis - Hellinger results for crime will be similar to the population sample</a:t>
             </a:r>
-            <a:endParaRPr sz="1700"/>
-          </a:p>
-          <a:p>
-            <a:pPr indent="-336550" lvl="0" marL="457200" rtl="0" algn="l">
-              <a:spcBef>
-                <a:spcPts val="0"/>
-              </a:spcBef>
-              <a:spcAft>
-                <a:spcPts val="0"/>
-              </a:spcAft>
-              <a:buSzPts val="1700"/>
+            <a:endParaRPr sz="1500"/>
+          </a:p>
+          <a:p>
+            <a:pPr indent="-323850" lvl="0" marL="457200" rtl="0" algn="l">
+              <a:spcBef>
+                <a:spcPts val="0"/>
+              </a:spcBef>
+              <a:spcAft>
+                <a:spcPts val="0"/>
+              </a:spcAft>
+              <a:buSzPts val="1500"/>
               <a:buChar char="●"/>
             </a:pPr>
             <a:r>
-              <a:rPr lang="en" sz="1700"/>
+              <a:rPr lang="en" sz="1500"/>
               <a:t>Alternative hypothesis - Hellinger results for crime will be different from population sample</a:t>
             </a:r>
-            <a:endParaRPr sz="1700"/>
-          </a:p>
-          <a:p>
-            <a:pPr indent="-336550" lvl="0" marL="457200" rtl="0" algn="l">
-              <a:spcBef>
-                <a:spcPts val="0"/>
-              </a:spcBef>
-              <a:spcAft>
-                <a:spcPts val="0"/>
-              </a:spcAft>
-              <a:buSzPts val="1700"/>
+            <a:endParaRPr sz="1500"/>
+          </a:p>
+          <a:p>
+            <a:pPr indent="-323850" lvl="0" marL="457200" rtl="0" algn="l">
+              <a:spcBef>
+                <a:spcPts val="0"/>
+              </a:spcBef>
+              <a:spcAft>
+                <a:spcPts val="0"/>
+              </a:spcAft>
+              <a:buSzPts val="1500"/>
               <a:buChar char="●"/>
             </a:pPr>
             <a:r>
-              <a:rPr lang="en" sz="1700"/>
+              <a:rPr lang="en" sz="1500"/>
               <a:t>P - value is very low, so I reject the null hypothesis </a:t>
             </a:r>
-            <a:endParaRPr sz="1700"/>
+            <a:endParaRPr sz="1500"/>
           </a:p>
           <a:p>
             <a:pPr indent="0" lvl="0" marL="0" rtl="0" algn="l">
@@ -22189,8 +22189,36 @@
         </p:blipFill>
         <p:spPr>
           <a:xfrm>
-            <a:off x="981700" y="4415725"/>
+            <a:off x="981700" y="4558075"/>
             <a:ext cx="7674700" cy="300725"/>
+          </a:xfrm>
+          <a:prstGeom prst="rect">
+            <a:avLst/>
+          </a:prstGeom>
+          <a:noFill/>
+          <a:ln>
+            <a:noFill/>
+          </a:ln>
+        </p:spPr>
+      </p:pic>
+      <p:pic>
+        <p:nvPicPr>
+          <p:cNvPr id="425" name="Google Shape;425;p32"/>
+          <p:cNvPicPr preferRelativeResize="0"/>
+          <p:nvPr/>
+        </p:nvPicPr>
+        <p:blipFill>
+          <a:blip r:embed="rId4">
+            <a:alphaModFix/>
+          </a:blip>
+          <a:stretch>
+            <a:fillRect/>
+          </a:stretch>
+        </p:blipFill>
+        <p:spPr>
+          <a:xfrm>
+            <a:off x="1067100" y="4223550"/>
+            <a:ext cx="4074943" cy="293775"/>
           </a:xfrm>
           <a:prstGeom prst="rect">
             <a:avLst/>
@@ -22214,7 +22242,7 @@
   <p:cSld>
     <p:spTree>
       <p:nvGrpSpPr>
-        <p:cNvPr id="428" name="Shape 428"/>
+        <p:cNvPr id="429" name="Shape 429"/>
         <p:cNvGrpSpPr/>
         <p:nvPr/>
       </p:nvGrpSpPr>
@@ -22228,7 +22256,7 @@
       </p:grpSpPr>
       <p:sp>
         <p:nvSpPr>
-          <p:cNvPr id="429" name="Google Shape;429;p33"/>
+          <p:cNvPr id="430" name="Google Shape;430;p33"/>
           <p:cNvSpPr txBox="1"/>
           <p:nvPr>
             <p:ph type="title"/>
@@ -22284,7 +22312,7 @@
       </p:sp>
       <p:sp>
         <p:nvSpPr>
-          <p:cNvPr id="430" name="Google Shape;430;p33"/>
+          <p:cNvPr id="431" name="Google Shape;431;p33"/>
           <p:cNvSpPr txBox="1"/>
           <p:nvPr>
             <p:ph idx="1" type="body"/>
@@ -22334,7 +22362,7 @@
             </a:pPr>
             <a:r>
               <a:rPr lang="en" sz="1800"/>
-              <a:t>If the Hellinger distance is low, the correlation is low</a:t>
+              <a:t>If the Hellinger distance is low, the correlation is high</a:t>
             </a:r>
             <a:endParaRPr sz="1800"/>
           </a:p>
@@ -22351,7 +22379,7 @@
             </a:pPr>
             <a:r>
               <a:rPr lang="en" sz="1800"/>
-              <a:t>If the Hellinger distance is high, the correlation is high </a:t>
+              <a:t>If the Hellinger distance is high, the correlation is low</a:t>
             </a:r>
             <a:endParaRPr sz="1800"/>
           </a:p>
@@ -22374,6 +22402,34 @@
           </a:p>
         </p:txBody>
       </p:sp>
+      <p:pic>
+        <p:nvPicPr>
+          <p:cNvPr id="432" name="Google Shape;432;p33"/>
+          <p:cNvPicPr preferRelativeResize="0"/>
+          <p:nvPr/>
+        </p:nvPicPr>
+        <p:blipFill>
+          <a:blip r:embed="rId3">
+            <a:alphaModFix/>
+          </a:blip>
+          <a:stretch>
+            <a:fillRect/>
+          </a:stretch>
+        </p:blipFill>
+        <p:spPr>
+          <a:xfrm>
+            <a:off x="1736650" y="4328700"/>
+            <a:ext cx="6253825" cy="814800"/>
+          </a:xfrm>
+          <a:prstGeom prst="rect">
+            <a:avLst/>
+          </a:prstGeom>
+          <a:noFill/>
+          <a:ln>
+            <a:noFill/>
+          </a:ln>
+        </p:spPr>
+      </p:pic>
     </p:spTree>
   </p:cSld>
   <p:clrMapOvr>
@@ -22387,7 +22443,7 @@
   <p:cSld>
     <p:spTree>
       <p:nvGrpSpPr>
-        <p:cNvPr id="434" name="Shape 434"/>
+        <p:cNvPr id="436" name="Shape 436"/>
         <p:cNvGrpSpPr/>
         <p:nvPr/>
       </p:nvGrpSpPr>
@@ -22401,7 +22457,7 @@
       </p:grpSpPr>
       <p:sp>
         <p:nvSpPr>
-          <p:cNvPr id="435" name="Google Shape;435;p34"/>
+          <p:cNvPr id="437" name="Google Shape;437;p34"/>
           <p:cNvSpPr txBox="1"/>
           <p:nvPr>
             <p:ph type="title"/>
@@ -22457,7 +22513,7 @@
       </p:sp>
       <p:sp>
         <p:nvSpPr>
-          <p:cNvPr id="436" name="Google Shape;436;p34"/>
+          <p:cNvPr id="438" name="Google Shape;438;p34"/>
           <p:cNvSpPr txBox="1"/>
           <p:nvPr>
             <p:ph idx="1" type="body"/>
@@ -22488,9 +22544,24 @@
               <a:buNone/>
             </a:pPr>
             <a:r>
-              <a:rPr lang="en"/>
+              <a:rPr lang="en" sz="1400"/>
               <a:t>					Unrelated Podcasts: </a:t>
             </a:r>
+            <a:endParaRPr sz="1400"/>
+          </a:p>
+          <a:p>
+            <a:pPr indent="0" lvl="0" marL="0" rtl="0" algn="l">
+              <a:spcBef>
+                <a:spcPts val="1600"/>
+              </a:spcBef>
+              <a:spcAft>
+                <a:spcPts val="0"/>
+              </a:spcAft>
+              <a:buNone/>
+            </a:pPr>
+            <a:r>
+              <a:t/>
+            </a:r>
             <a:endParaRPr/>
           </a:p>
           <a:p>
@@ -22521,44 +22592,29 @@
             <a:r>
               <a:t/>
             </a:r>
-            <a:endParaRPr/>
-          </a:p>
-          <a:p>
-            <a:pPr indent="0" lvl="0" marL="0" rtl="0" algn="l">
+            <a:endParaRPr sz="1400"/>
+          </a:p>
+          <a:p>
+            <a:pPr indent="0" lvl="0" marL="2286000" rtl="0" algn="l">
               <a:spcBef>
                 <a:spcPts val="1600"/>
               </a:spcBef>
               <a:spcAft>
-                <a:spcPts val="0"/>
-              </a:spcAft>
-              <a:buNone/>
-            </a:pPr>
-            <a:r>
-              <a:t/>
-            </a:r>
-            <a:endParaRPr/>
-          </a:p>
-          <a:p>
-            <a:pPr indent="0" lvl="0" marL="2286000" rtl="0" algn="l">
-              <a:spcBef>
                 <a:spcPts val="1600"/>
-              </a:spcBef>
-              <a:spcAft>
-                <a:spcPts val="1600"/>
-              </a:spcAft>
-              <a:buNone/>
-            </a:pPr>
-            <a:r>
-              <a:rPr lang="en"/>
+              </a:spcAft>
+              <a:buNone/>
+            </a:pPr>
+            <a:r>
+              <a:rPr lang="en" sz="1400"/>
               <a:t>True Crime Podcasts:</a:t>
             </a:r>
-            <a:endParaRPr/>
+            <a:endParaRPr sz="1400"/>
           </a:p>
         </p:txBody>
       </p:sp>
       <p:pic>
         <p:nvPicPr>
-          <p:cNvPr id="437" name="Google Shape;437;p34"/>
+          <p:cNvPr id="439" name="Google Shape;439;p34"/>
           <p:cNvPicPr preferRelativeResize="0"/>
           <p:nvPr/>
         </p:nvPicPr>
@@ -22572,8 +22628,8 @@
         </p:blipFill>
         <p:spPr>
           <a:xfrm>
-            <a:off x="1804988" y="2257538"/>
-            <a:ext cx="5314950" cy="1152525"/>
+            <a:off x="139100" y="3757100"/>
+            <a:ext cx="9004900" cy="842175"/>
           </a:xfrm>
           <a:prstGeom prst="rect">
             <a:avLst/>
@@ -22586,7 +22642,7 @@
       </p:pic>
       <p:pic>
         <p:nvPicPr>
-          <p:cNvPr id="438" name="Google Shape;438;p34"/>
+          <p:cNvPr id="440" name="Google Shape;440;p34"/>
           <p:cNvPicPr preferRelativeResize="0"/>
           <p:nvPr/>
         </p:nvPicPr>
@@ -22600,8 +22656,8 @@
         </p:blipFill>
         <p:spPr>
           <a:xfrm>
-            <a:off x="1804988" y="3724275"/>
-            <a:ext cx="5534025" cy="1085850"/>
+            <a:off x="466588" y="2037975"/>
+            <a:ext cx="8704926" cy="903625"/>
           </a:xfrm>
           <a:prstGeom prst="rect">
             <a:avLst/>
@@ -22625,7 +22681,7 @@
   <p:cSld>
     <p:spTree>
       <p:nvGrpSpPr>
-        <p:cNvPr id="442" name="Shape 442"/>
+        <p:cNvPr id="444" name="Shape 444"/>
         <p:cNvGrpSpPr/>
         <p:nvPr/>
       </p:nvGrpSpPr>
@@ -22639,7 +22695,7 @@
       </p:grpSpPr>
       <p:sp>
         <p:nvSpPr>
-          <p:cNvPr id="443" name="Google Shape;443;p35"/>
+          <p:cNvPr id="445" name="Google Shape;445;p35"/>
           <p:cNvSpPr txBox="1"/>
           <p:nvPr>
             <p:ph type="title"/>
@@ -22710,7 +22766,7 @@
       </p:sp>
       <p:sp>
         <p:nvSpPr>
-          <p:cNvPr id="444" name="Google Shape;444;p35"/>
+          <p:cNvPr id="446" name="Google Shape;446;p35"/>
           <p:cNvSpPr txBox="1"/>
           <p:nvPr>
             <p:ph idx="1" type="body"/>
@@ -22830,7 +22886,7 @@
       </p:sp>
       <p:pic>
         <p:nvPicPr>
-          <p:cNvPr id="445" name="Google Shape;445;p35"/>
+          <p:cNvPr id="447" name="Google Shape;447;p35"/>
           <p:cNvPicPr preferRelativeResize="0"/>
           <p:nvPr/>
         </p:nvPicPr>
@@ -22868,7 +22924,7 @@
   <p:cSld>
     <p:spTree>
       <p:nvGrpSpPr>
-        <p:cNvPr id="449" name="Shape 449"/>
+        <p:cNvPr id="451" name="Shape 451"/>
         <p:cNvGrpSpPr/>
         <p:nvPr/>
       </p:nvGrpSpPr>
@@ -22882,7 +22938,7 @@
       </p:grpSpPr>
       <p:sp>
         <p:nvSpPr>
-          <p:cNvPr id="450" name="Google Shape;450;p36"/>
+          <p:cNvPr id="452" name="Google Shape;452;p36"/>
           <p:cNvSpPr txBox="1"/>
           <p:nvPr>
             <p:ph type="title"/>
@@ -22953,7 +23009,7 @@
       </p:sp>
       <p:sp>
         <p:nvSpPr>
-          <p:cNvPr id="451" name="Google Shape;451;p36"/>
+          <p:cNvPr id="453" name="Google Shape;453;p36"/>
           <p:cNvSpPr txBox="1"/>
           <p:nvPr>
             <p:ph idx="1" type="body"/>
@@ -23641,7 +23697,7 @@
       </p:sp>
       <p:pic>
         <p:nvPicPr>
-          <p:cNvPr id="452" name="Google Shape;452;p36"/>
+          <p:cNvPr id="454" name="Google Shape;454;p36"/>
           <p:cNvPicPr preferRelativeResize="0"/>
           <p:nvPr/>
         </p:nvPicPr>
@@ -23680,7 +23736,7 @@
   <p:cSld>
     <p:spTree>
       <p:nvGrpSpPr>
-        <p:cNvPr id="456" name="Shape 456"/>
+        <p:cNvPr id="458" name="Shape 458"/>
         <p:cNvGrpSpPr/>
         <p:nvPr/>
       </p:nvGrpSpPr>
@@ -23694,7 +23750,7 @@
       </p:grpSpPr>
       <p:sp>
         <p:nvSpPr>
-          <p:cNvPr id="457" name="Google Shape;457;p37"/>
+          <p:cNvPr id="459" name="Google Shape;459;p37"/>
           <p:cNvSpPr txBox="1"/>
           <p:nvPr>
             <p:ph type="title"/>
@@ -23765,7 +23821,7 @@
       </p:sp>
       <p:pic>
         <p:nvPicPr>
-          <p:cNvPr id="458" name="Google Shape;458;p37"/>
+          <p:cNvPr id="460" name="Google Shape;460;p37"/>
           <p:cNvPicPr preferRelativeResize="0"/>
           <p:nvPr/>
         </p:nvPicPr>
@@ -23793,7 +23849,7 @@
       </p:pic>
       <p:sp>
         <p:nvSpPr>
-          <p:cNvPr id="459" name="Google Shape;459;p37"/>
+          <p:cNvPr id="461" name="Google Shape;461;p37"/>
           <p:cNvSpPr txBox="1"/>
           <p:nvPr>
             <p:ph idx="1" type="body"/>
@@ -23909,7 +23965,7 @@
   <p:cSld>
     <p:spTree>
       <p:nvGrpSpPr>
-        <p:cNvPr id="463" name="Shape 463"/>
+        <p:cNvPr id="465" name="Shape 465"/>
         <p:cNvGrpSpPr/>
         <p:nvPr/>
       </p:nvGrpSpPr>
@@ -23923,7 +23979,7 @@
       </p:grpSpPr>
       <p:sp>
         <p:nvSpPr>
-          <p:cNvPr id="464" name="Google Shape;464;p38"/>
+          <p:cNvPr id="466" name="Google Shape;466;p38"/>
           <p:cNvSpPr txBox="1"/>
           <p:nvPr>
             <p:ph type="title"/>
@@ -23994,7 +24050,7 @@
       </p:sp>
       <p:sp>
         <p:nvSpPr>
-          <p:cNvPr id="465" name="Google Shape;465;p38"/>
+          <p:cNvPr id="467" name="Google Shape;467;p38"/>
           <p:cNvSpPr txBox="1"/>
           <p:nvPr>
             <p:ph idx="1" type="body"/>
@@ -24081,7 +24137,7 @@
       </p:sp>
       <p:pic>
         <p:nvPicPr>
-          <p:cNvPr id="466" name="Google Shape;466;p38"/>
+          <p:cNvPr id="468" name="Google Shape;468;p38"/>
           <p:cNvPicPr preferRelativeResize="0"/>
           <p:nvPr/>
         </p:nvPicPr>
@@ -24109,7 +24165,7 @@
       </p:pic>
       <p:pic>
         <p:nvPicPr>
-          <p:cNvPr id="467" name="Google Shape;467;p38"/>
+          <p:cNvPr id="469" name="Google Shape;469;p38"/>
           <p:cNvPicPr preferRelativeResize="0"/>
           <p:nvPr/>
         </p:nvPicPr>
@@ -24148,7 +24204,7 @@
   <p:cSld>
     <p:spTree>
       <p:nvGrpSpPr>
-        <p:cNvPr id="471" name="Shape 471"/>
+        <p:cNvPr id="473" name="Shape 473"/>
         <p:cNvGrpSpPr/>
         <p:nvPr/>
       </p:nvGrpSpPr>
@@ -24162,7 +24218,7 @@
       </p:grpSpPr>
       <p:sp>
         <p:nvSpPr>
-          <p:cNvPr id="472" name="Google Shape;472;p39"/>
+          <p:cNvPr id="474" name="Google Shape;474;p39"/>
           <p:cNvSpPr txBox="1"/>
           <p:nvPr>
             <p:ph type="title"/>
@@ -24233,7 +24289,7 @@
       </p:sp>
       <p:sp>
         <p:nvSpPr>
-          <p:cNvPr id="473" name="Google Shape;473;p39"/>
+          <p:cNvPr id="475" name="Google Shape;475;p39"/>
           <p:cNvSpPr txBox="1"/>
           <p:nvPr>
             <p:ph idx="1" type="body"/>
@@ -24322,7 +24378,7 @@
       </p:sp>
       <p:pic>
         <p:nvPicPr>
-          <p:cNvPr id="474" name="Google Shape;474;p39"/>
+          <p:cNvPr id="476" name="Google Shape;476;p39"/>
           <p:cNvPicPr preferRelativeResize="0"/>
           <p:nvPr/>
         </p:nvPicPr>
@@ -24361,7 +24417,7 @@
   <p:cSld>
     <p:spTree>
       <p:nvGrpSpPr>
-        <p:cNvPr id="478" name="Shape 478"/>
+        <p:cNvPr id="480" name="Shape 480"/>
         <p:cNvGrpSpPr/>
         <p:nvPr/>
       </p:nvGrpSpPr>
@@ -24375,7 +24431,7 @@
       </p:grpSpPr>
       <p:sp>
         <p:nvSpPr>
-          <p:cNvPr id="479" name="Google Shape;479;p40"/>
+          <p:cNvPr id="481" name="Google Shape;481;p40"/>
           <p:cNvSpPr txBox="1"/>
           <p:nvPr>
             <p:ph type="title"/>
@@ -24446,7 +24502,7 @@
       </p:sp>
       <p:sp>
         <p:nvSpPr>
-          <p:cNvPr id="480" name="Google Shape;480;p40"/>
+          <p:cNvPr id="482" name="Google Shape;482;p40"/>
           <p:cNvSpPr txBox="1"/>
           <p:nvPr>
             <p:ph idx="1" type="body"/>
@@ -24517,7 +24573,7 @@
   <p:cSld>
     <p:spTree>
       <p:nvGrpSpPr>
-        <p:cNvPr id="484" name="Shape 484"/>
+        <p:cNvPr id="486" name="Shape 486"/>
         <p:cNvGrpSpPr/>
         <p:nvPr/>
       </p:nvGrpSpPr>
@@ -24531,7 +24587,7 @@
       </p:grpSpPr>
       <p:sp>
         <p:nvSpPr>
-          <p:cNvPr id="485" name="Google Shape;485;p41"/>
+          <p:cNvPr id="487" name="Google Shape;487;p41"/>
           <p:cNvSpPr txBox="1"/>
           <p:nvPr>
             <p:ph type="title"/>
@@ -24602,7 +24658,7 @@
       </p:sp>
       <p:sp>
         <p:nvSpPr>
-          <p:cNvPr id="486" name="Google Shape;486;p41"/>
+          <p:cNvPr id="488" name="Google Shape;488;p41"/>
           <p:cNvSpPr txBox="1"/>
           <p:nvPr>
             <p:ph idx="1" type="body"/>
@@ -25042,7 +25098,7 @@
   <p:cSld>
     <p:spTree>
       <p:nvGrpSpPr>
-        <p:cNvPr id="490" name="Shape 490"/>
+        <p:cNvPr id="492" name="Shape 492"/>
         <p:cNvGrpSpPr/>
         <p:nvPr/>
       </p:nvGrpSpPr>
@@ -25056,7 +25112,7 @@
       </p:grpSpPr>
       <p:sp>
         <p:nvSpPr>
-          <p:cNvPr id="491" name="Google Shape;491;p42"/>
+          <p:cNvPr id="493" name="Google Shape;493;p42"/>
           <p:cNvSpPr txBox="1"/>
           <p:nvPr>
             <p:ph type="title"/>
@@ -25112,7 +25168,7 @@
       </p:sp>
       <p:sp>
         <p:nvSpPr>
-          <p:cNvPr id="492" name="Google Shape;492;p42"/>
+          <p:cNvPr id="494" name="Google Shape;494;p42"/>
           <p:cNvSpPr txBox="1"/>
           <p:nvPr>
             <p:ph idx="1" type="body"/>
@@ -25256,7 +25312,7 @@
       </p:sp>
       <p:pic>
         <p:nvPicPr>
-          <p:cNvPr id="493" name="Google Shape;493;p42"/>
+          <p:cNvPr id="495" name="Google Shape;495;p42"/>
           <p:cNvPicPr preferRelativeResize="0"/>
           <p:nvPr/>
         </p:nvPicPr>
@@ -25295,7 +25351,7 @@
   <p:cSld>
     <p:spTree>
       <p:nvGrpSpPr>
-        <p:cNvPr id="497" name="Shape 497"/>
+        <p:cNvPr id="499" name="Shape 499"/>
         <p:cNvGrpSpPr/>
         <p:nvPr/>
       </p:nvGrpSpPr>
@@ -25309,7 +25365,7 @@
       </p:grpSpPr>
       <p:sp>
         <p:nvSpPr>
-          <p:cNvPr id="498" name="Google Shape;498;p43"/>
+          <p:cNvPr id="500" name="Google Shape;500;p43"/>
           <p:cNvSpPr txBox="1"/>
           <p:nvPr>
             <p:ph type="title"/>
@@ -25365,7 +25421,7 @@
       </p:sp>
       <p:sp>
         <p:nvSpPr>
-          <p:cNvPr id="499" name="Google Shape;499;p43"/>
+          <p:cNvPr id="501" name="Google Shape;501;p43"/>
           <p:cNvSpPr txBox="1"/>
           <p:nvPr>
             <p:ph idx="1" type="body"/>
@@ -25404,7 +25460,7 @@
       </p:sp>
       <p:pic>
         <p:nvPicPr>
-          <p:cNvPr id="500" name="Google Shape;500;p43"/>
+          <p:cNvPr id="502" name="Google Shape;502;p43"/>
           <p:cNvPicPr preferRelativeResize="0"/>
           <p:nvPr/>
         </p:nvPicPr>
@@ -25443,7 +25499,7 @@
   <p:cSld>
     <p:spTree>
       <p:nvGrpSpPr>
-        <p:cNvPr id="504" name="Shape 504"/>
+        <p:cNvPr id="506" name="Shape 506"/>
         <p:cNvGrpSpPr/>
         <p:nvPr/>
       </p:nvGrpSpPr>
@@ -25457,7 +25513,7 @@
       </p:grpSpPr>
       <p:sp>
         <p:nvSpPr>
-          <p:cNvPr id="505" name="Google Shape;505;p44"/>
+          <p:cNvPr id="507" name="Google Shape;507;p44"/>
           <p:cNvSpPr txBox="1"/>
           <p:nvPr>
             <p:ph type="title"/>
@@ -25513,7 +25569,7 @@
       </p:sp>
       <p:sp>
         <p:nvSpPr>
-          <p:cNvPr id="506" name="Google Shape;506;p44"/>
+          <p:cNvPr id="508" name="Google Shape;508;p44"/>
           <p:cNvSpPr txBox="1"/>
           <p:nvPr>
             <p:ph idx="1" type="body"/>
@@ -25552,7 +25608,7 @@
       </p:sp>
       <p:pic>
         <p:nvPicPr>
-          <p:cNvPr id="507" name="Google Shape;507;p44"/>
+          <p:cNvPr id="509" name="Google Shape;509;p44"/>
           <p:cNvPicPr preferRelativeResize="0"/>
           <p:nvPr/>
         </p:nvPicPr>
@@ -25591,7 +25647,7 @@
   <p:cSld>
     <p:spTree>
       <p:nvGrpSpPr>
-        <p:cNvPr id="511" name="Shape 511"/>
+        <p:cNvPr id="513" name="Shape 513"/>
         <p:cNvGrpSpPr/>
         <p:nvPr/>
       </p:nvGrpSpPr>
@@ -25605,7 +25661,7 @@
       </p:grpSpPr>
       <p:sp>
         <p:nvSpPr>
-          <p:cNvPr id="512" name="Google Shape;512;p45"/>
+          <p:cNvPr id="514" name="Google Shape;514;p45"/>
           <p:cNvSpPr txBox="1"/>
           <p:nvPr>
             <p:ph type="title"/>
@@ -25661,7 +25717,7 @@
       </p:sp>
       <p:sp>
         <p:nvSpPr>
-          <p:cNvPr id="513" name="Google Shape;513;p45"/>
+          <p:cNvPr id="515" name="Google Shape;515;p45"/>
           <p:cNvSpPr txBox="1"/>
           <p:nvPr>
             <p:ph idx="1" type="body"/>
@@ -25744,7 +25800,7 @@
       </p:sp>
       <p:pic>
         <p:nvPicPr>
-          <p:cNvPr id="514" name="Google Shape;514;p45"/>
+          <p:cNvPr id="516" name="Google Shape;516;p45"/>
           <p:cNvPicPr preferRelativeResize="0"/>
           <p:nvPr/>
         </p:nvPicPr>
@@ -25783,7 +25839,7 @@
   <p:cSld>
     <p:spTree>
       <p:nvGrpSpPr>
-        <p:cNvPr id="518" name="Shape 518"/>
+        <p:cNvPr id="520" name="Shape 520"/>
         <p:cNvGrpSpPr/>
         <p:nvPr/>
       </p:nvGrpSpPr>
@@ -25797,7 +25853,7 @@
       </p:grpSpPr>
       <p:sp>
         <p:nvSpPr>
-          <p:cNvPr id="519" name="Google Shape;519;p46"/>
+          <p:cNvPr id="521" name="Google Shape;521;p46"/>
           <p:cNvSpPr txBox="1"/>
           <p:nvPr>
             <p:ph type="title"/>
@@ -25853,7 +25909,7 @@
       </p:sp>
       <p:sp>
         <p:nvSpPr>
-          <p:cNvPr id="520" name="Google Shape;520;p46"/>
+          <p:cNvPr id="522" name="Google Shape;522;p46"/>
           <p:cNvSpPr txBox="1"/>
           <p:nvPr>
             <p:ph idx="1" type="body"/>
@@ -25972,7 +26028,7 @@
   <p:cSld>
     <p:spTree>
       <p:nvGrpSpPr>
-        <p:cNvPr id="524" name="Shape 524"/>
+        <p:cNvPr id="526" name="Shape 526"/>
         <p:cNvGrpSpPr/>
         <p:nvPr/>
       </p:nvGrpSpPr>
@@ -25986,7 +26042,7 @@
       </p:grpSpPr>
       <p:sp>
         <p:nvSpPr>
-          <p:cNvPr id="525" name="Google Shape;525;p47"/>
+          <p:cNvPr id="527" name="Google Shape;527;p47"/>
           <p:cNvSpPr txBox="1"/>
           <p:nvPr>
             <p:ph type="title"/>
@@ -27870,6 +27926,285 @@
 </file>
 
 <file path=ppt/theme/theme1.xml><?xml version="1.0" encoding="utf-8"?>
+<a:theme xmlns:a="http://schemas.openxmlformats.org/drawingml/2006/main" xmlns:r="http://schemas.openxmlformats.org/officeDocument/2006/relationships">
+  <a:themeElements>
+    <a:clrScheme name="Default">
+      <a:dk1>
+        <a:srgbClr val="000000"/>
+      </a:dk1>
+      <a:lt1>
+        <a:srgbClr val="FFFFFF"/>
+      </a:lt1>
+      <a:dk2>
+        <a:srgbClr val="158158"/>
+      </a:dk2>
+      <a:lt2>
+        <a:srgbClr val="F3F3F3"/>
+      </a:lt2>
+      <a:accent1>
+        <a:srgbClr val="058DC7"/>
+      </a:accent1>
+      <a:accent2>
+        <a:srgbClr val="50B432"/>
+      </a:accent2>
+      <a:accent3>
+        <a:srgbClr val="ED561B"/>
+      </a:accent3>
+      <a:accent4>
+        <a:srgbClr val="EDEF00"/>
+      </a:accent4>
+      <a:accent5>
+        <a:srgbClr val="24CBE5"/>
+      </a:accent5>
+      <a:accent6>
+        <a:srgbClr val="64E572"/>
+      </a:accent6>
+      <a:hlink>
+        <a:srgbClr val="2200CC"/>
+      </a:hlink>
+      <a:folHlink>
+        <a:srgbClr val="551A8B"/>
+      </a:folHlink>
+    </a:clrScheme>
+    <a:fontScheme name="Office">
+      <a:majorFont>
+        <a:latin typeface="Arial"/>
+        <a:ea typeface=""/>
+        <a:cs typeface=""/>
+        <a:font script="Jpan" typeface="ＭＳ Ｐゴシック"/>
+        <a:font script="Hang" typeface="맑은 고딕"/>
+        <a:font script="Hans" typeface="宋体"/>
+        <a:font script="Hant" typeface="新細明體"/>
+        <a:font script="Arab" typeface="Times New Roman"/>
+        <a:font script="Hebr" typeface="Times New Roman"/>
+        <a:font script="Thai" typeface="Angsana New"/>
+        <a:font script="Ethi" typeface="Nyala"/>
+        <a:font script="Beng" typeface="Vrinda"/>
+        <a:font script="Gujr" typeface="Shruti"/>
+        <a:font script="Khmr" typeface="MoolBoran"/>
+        <a:font script="Knda" typeface="Tunga"/>
+        <a:font script="Guru" typeface="Raavi"/>
+        <a:font script="Cans" typeface="Euphemia"/>
+        <a:font script="Cher" typeface="Plantagenet Cherokee"/>
+        <a:font script="Yiii" typeface="Microsoft Yi Baiti"/>
+        <a:font script="Tibt" typeface="Microsoft Himalaya"/>
+        <a:font script="Thaa" typeface="MV Boli"/>
+        <a:font script="Deva" typeface="Mangal"/>
+        <a:font script="Telu" typeface="Gautami"/>
+        <a:font script="Taml" typeface="Latha"/>
+        <a:font script="Syrc" typeface="Estrangelo Edessa"/>
+        <a:font script="Orya" typeface="Kalinga"/>
+        <a:font script="Mlym" typeface="Kartika"/>
+        <a:font script="Laoo" typeface="DokChampa"/>
+        <a:font script="Sinh" typeface="Iskoola Pota"/>
+        <a:font script="Mong" typeface="Mongolian Baiti"/>
+        <a:font script="Viet" typeface="Times New Roman"/>
+        <a:font script="Uigh" typeface="Microsoft Uighur"/>
+        <a:font script="Geor" typeface="Sylfaen"/>
+      </a:majorFont>
+      <a:minorFont>
+        <a:latin typeface="Arial"/>
+        <a:ea typeface=""/>
+        <a:cs typeface=""/>
+        <a:font script="Jpan" typeface="ＭＳ Ｐゴシック"/>
+        <a:font script="Hang" typeface="맑은 고딕"/>
+        <a:font script="Hans" typeface="宋体"/>
+        <a:font script="Hant" typeface="新細明體"/>
+        <a:font script="Arab" typeface="Arial"/>
+        <a:font script="Hebr" typeface="Arial"/>
+        <a:font script="Thai" typeface="Cordia New"/>
+        <a:font script="Ethi" typeface="Nyala"/>
+        <a:font script="Beng" typeface="Vrinda"/>
+        <a:font script="Gujr" typeface="Shruti"/>
+        <a:font script="Khmr" typeface="DaunPenh"/>
+        <a:font script="Knda" typeface="Tunga"/>
+        <a:font script="Guru" typeface="Raavi"/>
+        <a:font script="Cans" typeface="Euphemia"/>
+        <a:font script="Cher" typeface="Plantagenet Cherokee"/>
+        <a:font script="Yiii" typeface="Microsoft Yi Baiti"/>
+        <a:font script="Tibt" typeface="Microsoft Himalaya"/>
+        <a:font script="Thaa" typeface="MV Boli"/>
+        <a:font script="Deva" typeface="Mangal"/>
+        <a:font script="Telu" typeface="Gautami"/>
+        <a:font script="Taml" typeface="Latha"/>
+        <a:font script="Syrc" typeface="Estrangelo Edessa"/>
+        <a:font script="Orya" typeface="Kalinga"/>
+        <a:font script="Mlym" typeface="Kartika"/>
+        <a:font script="Laoo" typeface="DokChampa"/>
+        <a:font script="Sinh" typeface="Iskoola Pota"/>
+        <a:font script="Mong" typeface="Mongolian Baiti"/>
+        <a:font script="Viet" typeface="Arial"/>
+        <a:font script="Uigh" typeface="Microsoft Uighur"/>
+        <a:font script="Geor" typeface="Sylfaen"/>
+      </a:minorFont>
+    </a:fontScheme>
+    <a:fmtScheme name="Office">
+      <a:fillStyleLst>
+        <a:solidFill>
+          <a:schemeClr val="phClr"/>
+        </a:solidFill>
+        <a:gradFill rotWithShape="1">
+          <a:gsLst>
+            <a:gs pos="0">
+              <a:schemeClr val="phClr">
+                <a:tint val="50000"/>
+                <a:satMod val="300000"/>
+              </a:schemeClr>
+            </a:gs>
+            <a:gs pos="35000">
+              <a:schemeClr val="phClr">
+                <a:tint val="37000"/>
+                <a:satMod val="300000"/>
+              </a:schemeClr>
+            </a:gs>
+            <a:gs pos="100000">
+              <a:schemeClr val="phClr">
+                <a:tint val="15000"/>
+                <a:satMod val="350000"/>
+              </a:schemeClr>
+            </a:gs>
+          </a:gsLst>
+          <a:lin ang="16200000" scaled="1"/>
+        </a:gradFill>
+        <a:gradFill rotWithShape="1">
+          <a:gsLst>
+            <a:gs pos="0">
+              <a:schemeClr val="phClr">
+                <a:tint val="100000"/>
+                <a:shade val="100000"/>
+                <a:satMod val="130000"/>
+              </a:schemeClr>
+            </a:gs>
+            <a:gs pos="100000">
+              <a:schemeClr val="phClr">
+                <a:tint val="50000"/>
+                <a:shade val="100000"/>
+                <a:satMod val="350000"/>
+              </a:schemeClr>
+            </a:gs>
+          </a:gsLst>
+          <a:lin ang="16200000" scaled="0"/>
+        </a:gradFill>
+      </a:fillStyleLst>
+      <a:lnStyleLst>
+        <a:ln w="9525" cap="flat" cmpd="sng" algn="ctr">
+          <a:solidFill>
+            <a:schemeClr val="phClr">
+              <a:shade val="95000"/>
+              <a:satMod val="105000"/>
+            </a:schemeClr>
+          </a:solidFill>
+          <a:prstDash val="solid"/>
+        </a:ln>
+        <a:ln w="25400" cap="flat" cmpd="sng" algn="ctr">
+          <a:solidFill>
+            <a:schemeClr val="phClr"/>
+          </a:solidFill>
+          <a:prstDash val="solid"/>
+        </a:ln>
+        <a:ln w="38100" cap="flat" cmpd="sng" algn="ctr">
+          <a:solidFill>
+            <a:schemeClr val="phClr"/>
+          </a:solidFill>
+          <a:prstDash val="solid"/>
+        </a:ln>
+      </a:lnStyleLst>
+      <a:effectStyleLst>
+        <a:effectStyle>
+          <a:effectLst>
+            <a:outerShdw blurRad="40000" dist="20000" dir="5400000" rotWithShape="0">
+              <a:srgbClr val="000000">
+                <a:alpha val="38000"/>
+              </a:srgbClr>
+            </a:outerShdw>
+          </a:effectLst>
+        </a:effectStyle>
+        <a:effectStyle>
+          <a:effectLst>
+            <a:outerShdw blurRad="40000" dist="23000" dir="5400000" rotWithShape="0">
+              <a:srgbClr val="000000">
+                <a:alpha val="35000"/>
+              </a:srgbClr>
+            </a:outerShdw>
+          </a:effectLst>
+        </a:effectStyle>
+        <a:effectStyle>
+          <a:effectLst>
+            <a:outerShdw blurRad="40000" dist="23000" dir="5400000" rotWithShape="0">
+              <a:srgbClr val="000000">
+                <a:alpha val="35000"/>
+              </a:srgbClr>
+            </a:outerShdw>
+          </a:effectLst>
+          <a:scene3d>
+            <a:camera prst="orthographicFront">
+              <a:rot lat="0" lon="0" rev="0"/>
+            </a:camera>
+            <a:lightRig rig="threePt" dir="t">
+              <a:rot lat="0" lon="0" rev="1200000"/>
+            </a:lightRig>
+          </a:scene3d>
+          <a:sp3d>
+            <a:bevelT w="63500" h="25400"/>
+          </a:sp3d>
+        </a:effectStyle>
+      </a:effectStyleLst>
+      <a:bgFillStyleLst>
+        <a:solidFill>
+          <a:schemeClr val="phClr"/>
+        </a:solidFill>
+        <a:gradFill rotWithShape="1">
+          <a:gsLst>
+            <a:gs pos="0">
+              <a:schemeClr val="phClr">
+                <a:tint val="40000"/>
+                <a:satMod val="350000"/>
+              </a:schemeClr>
+            </a:gs>
+            <a:gs pos="40000">
+              <a:schemeClr val="phClr">
+                <a:tint val="45000"/>
+                <a:shade val="99000"/>
+                <a:satMod val="350000"/>
+              </a:schemeClr>
+            </a:gs>
+            <a:gs pos="100000">
+              <a:schemeClr val="phClr">
+                <a:shade val="20000"/>
+                <a:satMod val="255000"/>
+              </a:schemeClr>
+            </a:gs>
+          </a:gsLst>
+          <a:path path="circle">
+            <a:fillToRect l="50000" t="-80000" r="50000" b="180000"/>
+          </a:path>
+        </a:gradFill>
+        <a:gradFill rotWithShape="1">
+          <a:gsLst>
+            <a:gs pos="0">
+              <a:schemeClr val="phClr">
+                <a:tint val="80000"/>
+                <a:satMod val="300000"/>
+              </a:schemeClr>
+            </a:gs>
+            <a:gs pos="100000">
+              <a:schemeClr val="phClr">
+                <a:shade val="30000"/>
+                <a:satMod val="200000"/>
+              </a:schemeClr>
+            </a:gs>
+          </a:gsLst>
+          <a:path path="circle">
+            <a:fillToRect l="50000" t="50000" r="50000" b="50000"/>
+          </a:path>
+        </a:gradFill>
+      </a:bgFillStyleLst>
+    </a:fmtScheme>
+  </a:themeElements>
+</a:theme>
+</file>
+
+<file path=ppt/theme/theme2.xml><?xml version="1.0" encoding="utf-8"?>
 <a:theme xmlns:a="http://schemas.openxmlformats.org/drawingml/2006/main" xmlns:r="http://schemas.openxmlformats.org/officeDocument/2006/relationships" name="Momentum">
   <a:themeElements>
     <a:clrScheme name="Momentum">
@@ -28146,283 +28481,4 @@
     </a:fmtScheme>
   </a:themeElements>
 </a:theme>
-</file>
-
-<file path=ppt/theme/theme2.xml><?xml version="1.0" encoding="utf-8"?>
-<a:theme xmlns:a="http://schemas.openxmlformats.org/drawingml/2006/main" xmlns:r="http://schemas.openxmlformats.org/officeDocument/2006/relationships">
-  <a:themeElements>
-    <a:clrScheme name="Default">
-      <a:dk1>
-        <a:srgbClr val="000000"/>
-      </a:dk1>
-      <a:lt1>
-        <a:srgbClr val="FFFFFF"/>
-      </a:lt1>
-      <a:dk2>
-        <a:srgbClr val="158158"/>
-      </a:dk2>
-      <a:lt2>
-        <a:srgbClr val="F3F3F3"/>
-      </a:lt2>
-      <a:accent1>
-        <a:srgbClr val="058DC7"/>
-      </a:accent1>
-      <a:accent2>
-        <a:srgbClr val="50B432"/>
-      </a:accent2>
-      <a:accent3>
-        <a:srgbClr val="ED561B"/>
-      </a:accent3>
-      <a:accent4>
-        <a:srgbClr val="EDEF00"/>
-      </a:accent4>
-      <a:accent5>
-        <a:srgbClr val="24CBE5"/>
-      </a:accent5>
-      <a:accent6>
-        <a:srgbClr val="64E572"/>
-      </a:accent6>
-      <a:hlink>
-        <a:srgbClr val="2200CC"/>
-      </a:hlink>
-      <a:folHlink>
-        <a:srgbClr val="551A8B"/>
-      </a:folHlink>
-    </a:clrScheme>
-    <a:fontScheme name="Office">
-      <a:majorFont>
-        <a:latin typeface="Arial"/>
-        <a:ea typeface=""/>
-        <a:cs typeface=""/>
-        <a:font script="Jpan" typeface="ＭＳ Ｐゴシック"/>
-        <a:font script="Hang" typeface="맑은 고딕"/>
-        <a:font script="Hans" typeface="宋体"/>
-        <a:font script="Hant" typeface="新細明體"/>
-        <a:font script="Arab" typeface="Times New Roman"/>
-        <a:font script="Hebr" typeface="Times New Roman"/>
-        <a:font script="Thai" typeface="Angsana New"/>
-        <a:font script="Ethi" typeface="Nyala"/>
-        <a:font script="Beng" typeface="Vrinda"/>
-        <a:font script="Gujr" typeface="Shruti"/>
-        <a:font script="Khmr" typeface="MoolBoran"/>
-        <a:font script="Knda" typeface="Tunga"/>
-        <a:font script="Guru" typeface="Raavi"/>
-        <a:font script="Cans" typeface="Euphemia"/>
-        <a:font script="Cher" typeface="Plantagenet Cherokee"/>
-        <a:font script="Yiii" typeface="Microsoft Yi Baiti"/>
-        <a:font script="Tibt" typeface="Microsoft Himalaya"/>
-        <a:font script="Thaa" typeface="MV Boli"/>
-        <a:font script="Deva" typeface="Mangal"/>
-        <a:font script="Telu" typeface="Gautami"/>
-        <a:font script="Taml" typeface="Latha"/>
-        <a:font script="Syrc" typeface="Estrangelo Edessa"/>
-        <a:font script="Orya" typeface="Kalinga"/>
-        <a:font script="Mlym" typeface="Kartika"/>
-        <a:font script="Laoo" typeface="DokChampa"/>
-        <a:font script="Sinh" typeface="Iskoola Pota"/>
-        <a:font script="Mong" typeface="Mongolian Baiti"/>
-        <a:font script="Viet" typeface="Times New Roman"/>
-        <a:font script="Uigh" typeface="Microsoft Uighur"/>
-        <a:font script="Geor" typeface="Sylfaen"/>
-      </a:majorFont>
-      <a:minorFont>
-        <a:latin typeface="Arial"/>
-        <a:ea typeface=""/>
-        <a:cs typeface=""/>
-        <a:font script="Jpan" typeface="ＭＳ Ｐゴシック"/>
-        <a:font script="Hang" typeface="맑은 고딕"/>
-        <a:font script="Hans" typeface="宋体"/>
-        <a:font script="Hant" typeface="新細明體"/>
-        <a:font script="Arab" typeface="Arial"/>
-        <a:font script="Hebr" typeface="Arial"/>
-        <a:font script="Thai" typeface="Cordia New"/>
-        <a:font script="Ethi" typeface="Nyala"/>
-        <a:font script="Beng" typeface="Vrinda"/>
-        <a:font script="Gujr" typeface="Shruti"/>
-        <a:font script="Khmr" typeface="DaunPenh"/>
-        <a:font script="Knda" typeface="Tunga"/>
-        <a:font script="Guru" typeface="Raavi"/>
-        <a:font script="Cans" typeface="Euphemia"/>
-        <a:font script="Cher" typeface="Plantagenet Cherokee"/>
-        <a:font script="Yiii" typeface="Microsoft Yi Baiti"/>
-        <a:font script="Tibt" typeface="Microsoft Himalaya"/>
-        <a:font script="Thaa" typeface="MV Boli"/>
-        <a:font script="Deva" typeface="Mangal"/>
-        <a:font script="Telu" typeface="Gautami"/>
-        <a:font script="Taml" typeface="Latha"/>
-        <a:font script="Syrc" typeface="Estrangelo Edessa"/>
-        <a:font script="Orya" typeface="Kalinga"/>
-        <a:font script="Mlym" typeface="Kartika"/>
-        <a:font script="Laoo" typeface="DokChampa"/>
-        <a:font script="Sinh" typeface="Iskoola Pota"/>
-        <a:font script="Mong" typeface="Mongolian Baiti"/>
-        <a:font script="Viet" typeface="Arial"/>
-        <a:font script="Uigh" typeface="Microsoft Uighur"/>
-        <a:font script="Geor" typeface="Sylfaen"/>
-      </a:minorFont>
-    </a:fontScheme>
-    <a:fmtScheme name="Office">
-      <a:fillStyleLst>
-        <a:solidFill>
-          <a:schemeClr val="phClr"/>
-        </a:solidFill>
-        <a:gradFill rotWithShape="1">
-          <a:gsLst>
-            <a:gs pos="0">
-              <a:schemeClr val="phClr">
-                <a:tint val="50000"/>
-                <a:satMod val="300000"/>
-              </a:schemeClr>
-            </a:gs>
-            <a:gs pos="35000">
-              <a:schemeClr val="phClr">
-                <a:tint val="37000"/>
-                <a:satMod val="300000"/>
-              </a:schemeClr>
-            </a:gs>
-            <a:gs pos="100000">
-              <a:schemeClr val="phClr">
-                <a:tint val="15000"/>
-                <a:satMod val="350000"/>
-              </a:schemeClr>
-            </a:gs>
-          </a:gsLst>
-          <a:lin ang="16200000" scaled="1"/>
-        </a:gradFill>
-        <a:gradFill rotWithShape="1">
-          <a:gsLst>
-            <a:gs pos="0">
-              <a:schemeClr val="phClr">
-                <a:tint val="100000"/>
-                <a:shade val="100000"/>
-                <a:satMod val="130000"/>
-              </a:schemeClr>
-            </a:gs>
-            <a:gs pos="100000">
-              <a:schemeClr val="phClr">
-                <a:tint val="50000"/>
-                <a:shade val="100000"/>
-                <a:satMod val="350000"/>
-              </a:schemeClr>
-            </a:gs>
-          </a:gsLst>
-          <a:lin ang="16200000" scaled="0"/>
-        </a:gradFill>
-      </a:fillStyleLst>
-      <a:lnStyleLst>
-        <a:ln w="9525" cap="flat" cmpd="sng" algn="ctr">
-          <a:solidFill>
-            <a:schemeClr val="phClr">
-              <a:shade val="95000"/>
-              <a:satMod val="105000"/>
-            </a:schemeClr>
-          </a:solidFill>
-          <a:prstDash val="solid"/>
-        </a:ln>
-        <a:ln w="25400" cap="flat" cmpd="sng" algn="ctr">
-          <a:solidFill>
-            <a:schemeClr val="phClr"/>
-          </a:solidFill>
-          <a:prstDash val="solid"/>
-        </a:ln>
-        <a:ln w="38100" cap="flat" cmpd="sng" algn="ctr">
-          <a:solidFill>
-            <a:schemeClr val="phClr"/>
-          </a:solidFill>
-          <a:prstDash val="solid"/>
-        </a:ln>
-      </a:lnStyleLst>
-      <a:effectStyleLst>
-        <a:effectStyle>
-          <a:effectLst>
-            <a:outerShdw blurRad="40000" dist="20000" dir="5400000" rotWithShape="0">
-              <a:srgbClr val="000000">
-                <a:alpha val="38000"/>
-              </a:srgbClr>
-            </a:outerShdw>
-          </a:effectLst>
-        </a:effectStyle>
-        <a:effectStyle>
-          <a:effectLst>
-            <a:outerShdw blurRad="40000" dist="23000" dir="5400000" rotWithShape="0">
-              <a:srgbClr val="000000">
-                <a:alpha val="35000"/>
-              </a:srgbClr>
-            </a:outerShdw>
-          </a:effectLst>
-        </a:effectStyle>
-        <a:effectStyle>
-          <a:effectLst>
-            <a:outerShdw blurRad="40000" dist="23000" dir="5400000" rotWithShape="0">
-              <a:srgbClr val="000000">
-                <a:alpha val="35000"/>
-              </a:srgbClr>
-            </a:outerShdw>
-          </a:effectLst>
-          <a:scene3d>
-            <a:camera prst="orthographicFront">
-              <a:rot lat="0" lon="0" rev="0"/>
-            </a:camera>
-            <a:lightRig rig="threePt" dir="t">
-              <a:rot lat="0" lon="0" rev="1200000"/>
-            </a:lightRig>
-          </a:scene3d>
-          <a:sp3d>
-            <a:bevelT w="63500" h="25400"/>
-          </a:sp3d>
-        </a:effectStyle>
-      </a:effectStyleLst>
-      <a:bgFillStyleLst>
-        <a:solidFill>
-          <a:schemeClr val="phClr"/>
-        </a:solidFill>
-        <a:gradFill rotWithShape="1">
-          <a:gsLst>
-            <a:gs pos="0">
-              <a:schemeClr val="phClr">
-                <a:tint val="40000"/>
-                <a:satMod val="350000"/>
-              </a:schemeClr>
-            </a:gs>
-            <a:gs pos="40000">
-              <a:schemeClr val="phClr">
-                <a:tint val="45000"/>
-                <a:shade val="99000"/>
-                <a:satMod val="350000"/>
-              </a:schemeClr>
-            </a:gs>
-            <a:gs pos="100000">
-              <a:schemeClr val="phClr">
-                <a:shade val="20000"/>
-                <a:satMod val="255000"/>
-              </a:schemeClr>
-            </a:gs>
-          </a:gsLst>
-          <a:path path="circle">
-            <a:fillToRect l="50000" t="-80000" r="50000" b="180000"/>
-          </a:path>
-        </a:gradFill>
-        <a:gradFill rotWithShape="1">
-          <a:gsLst>
-            <a:gs pos="0">
-              <a:schemeClr val="phClr">
-                <a:tint val="80000"/>
-                <a:satMod val="300000"/>
-              </a:schemeClr>
-            </a:gs>
-            <a:gs pos="100000">
-              <a:schemeClr val="phClr">
-                <a:shade val="30000"/>
-                <a:satMod val="200000"/>
-              </a:schemeClr>
-            </a:gs>
-          </a:gsLst>
-          <a:path path="circle">
-            <a:fillToRect l="50000" t="50000" r="50000" b="50000"/>
-          </a:path>
-        </a:gradFill>
-      </a:bgFillStyleLst>
-    </a:fmtScheme>
-  </a:themeElements>
-</a:theme>
 </file>